--- a/Tesis/Revisiones de ppt/Primer Corte.pptx
+++ b/Tesis/Revisiones de ppt/Primer Corte.pptx
@@ -5,7 +5,7 @@
     <p:sldMasterId id="2147483814" r:id="rId1"/>
   </p:sldMasterIdLst>
   <p:notesMasterIdLst>
-    <p:notesMasterId r:id="rId22"/>
+    <p:notesMasterId r:id="rId21"/>
   </p:notesMasterIdLst>
   <p:sldIdLst>
     <p:sldId id="256" r:id="rId2"/>
@@ -23,11 +23,10 @@
     <p:sldId id="286" r:id="rId14"/>
     <p:sldId id="289" r:id="rId15"/>
     <p:sldId id="290" r:id="rId16"/>
-    <p:sldId id="293" r:id="rId17"/>
-    <p:sldId id="291" r:id="rId18"/>
-    <p:sldId id="292" r:id="rId19"/>
-    <p:sldId id="275" r:id="rId20"/>
-    <p:sldId id="294" r:id="rId21"/>
+    <p:sldId id="291" r:id="rId17"/>
+    <p:sldId id="292" r:id="rId18"/>
+    <p:sldId id="275" r:id="rId19"/>
+    <p:sldId id="294" r:id="rId20"/>
   </p:sldIdLst>
   <p:sldSz cx="12192000" cy="6858000"/>
   <p:notesSz cx="6858000" cy="9144000"/>
@@ -290,7 +289,7 @@
     </p:extLst>
   </p:cm>
   <p:cm authorId="1" dt="2022-10-08T12:00:05.437" idx="12">
-    <p:pos x="6822" y="2688"/>
+    <p:pos x="7223" y="2523"/>
     <p:text>Recordar hablar del trabajo futuro</p:text>
     <p:extLst>
       <p:ext uri="{C676402C-5697-4E1C-873F-D02D1690AC5C}">
@@ -383,7 +382,7 @@
           <a:p>
             <a:fld id="{855318E3-A54E-4A1B-925B-0B6BE85402D7}" type="datetimeFigureOut">
               <a:rPr lang="es-ES" smtClean="0"/>
-              <a:t>08/10/2022</a:t>
+              <a:t>09/10/2022</a:t>
             </a:fld>
             <a:endParaRPr lang="es-ES"/>
           </a:p>
@@ -1582,15 +1581,116 @@
           <a:bodyPr/>
           <a:lstStyle/>
           <a:p>
-            <a:r>
-              <a:rPr lang="es-ES" noProof="0" dirty="0"/>
-              <a:t>Conversación</a:t>
-            </a:r>
+            <a:pPr marL="0" marR="0" lvl="0" indent="0" algn="l" defTabSz="914400" rtl="0" eaLnBrk="1" fontAlgn="auto" latinLnBrk="0" hangingPunct="1">
+              <a:lnSpc>
+                <a:spcPct val="100000"/>
+              </a:lnSpc>
+              <a:spcBef>
+                <a:spcPts val="0"/>
+              </a:spcBef>
+              <a:spcAft>
+                <a:spcPts val="0"/>
+              </a:spcAft>
+              <a:buClrTx/>
+              <a:buSzTx/>
+              <a:buFontTx/>
+              <a:buNone/>
+              <a:tabLst/>
+              <a:defRPr/>
+            </a:pPr>
             <a:r>
               <a:rPr lang="es-ES" dirty="0"/>
-              <a:t> con el asistente virtual</a:t>
-            </a:r>
-            <a:endParaRPr lang="es-CU" dirty="0"/>
+              <a:t>Un sistema que a partir de datos proporcionados pudiera generar o construir automáticamente la estructura de conocimiento de un asistente virtual desarrollado en Rasa, lo que reduce en gran medida el error humano al realizar este trabajo manualmente.</a:t>
+            </a:r>
+          </a:p>
+          <a:p>
+            <a:pPr marL="0" marR="0" lvl="0" indent="0" algn="l" defTabSz="914400" rtl="0" eaLnBrk="1" fontAlgn="auto" latinLnBrk="0" hangingPunct="1">
+              <a:lnSpc>
+                <a:spcPct val="100000"/>
+              </a:lnSpc>
+              <a:spcBef>
+                <a:spcPts val="0"/>
+              </a:spcBef>
+              <a:spcAft>
+                <a:spcPts val="0"/>
+              </a:spcAft>
+              <a:buClrTx/>
+              <a:buSzTx/>
+              <a:buFontTx/>
+              <a:buNone/>
+              <a:tabLst/>
+              <a:defRPr/>
+            </a:pPr>
+            <a:endParaRPr lang="es-ES" dirty="0"/>
+          </a:p>
+          <a:p>
+            <a:pPr marL="0" marR="0" lvl="0" indent="0" algn="l" defTabSz="914400" rtl="0" eaLnBrk="1" fontAlgn="auto" latinLnBrk="0" hangingPunct="1">
+              <a:lnSpc>
+                <a:spcPct val="100000"/>
+              </a:lnSpc>
+              <a:spcBef>
+                <a:spcPts val="0"/>
+              </a:spcBef>
+              <a:spcAft>
+                <a:spcPts val="0"/>
+              </a:spcAft>
+              <a:buClrTx/>
+              <a:buSzTx/>
+              <a:buFontTx/>
+              <a:buNone/>
+              <a:tabLst/>
+              <a:defRPr/>
+            </a:pPr>
+            <a:r>
+              <a:rPr lang="es-ES" dirty="0"/>
+              <a:t>La investigación también permitió saber el cómo lograr la construcción automática de asistentes virtuales a partir de una base de conocimiento nueva previamente construida.</a:t>
+            </a:r>
+          </a:p>
+          <a:p>
+            <a:pPr marL="0" marR="0" lvl="0" indent="0" algn="l" defTabSz="914400" rtl="0" eaLnBrk="1" fontAlgn="auto" latinLnBrk="0" hangingPunct="1">
+              <a:lnSpc>
+                <a:spcPct val="100000"/>
+              </a:lnSpc>
+              <a:spcBef>
+                <a:spcPts val="0"/>
+              </a:spcBef>
+              <a:spcAft>
+                <a:spcPts val="0"/>
+              </a:spcAft>
+              <a:buClrTx/>
+              <a:buSzTx/>
+              <a:buFontTx/>
+              <a:buNone/>
+              <a:tabLst/>
+              <a:defRPr/>
+            </a:pPr>
+            <a:endParaRPr lang="es-ES" dirty="0"/>
+          </a:p>
+          <a:p>
+            <a:pPr marL="0" marR="0" lvl="0" indent="0" algn="l" defTabSz="914400" rtl="0" eaLnBrk="1" fontAlgn="auto" latinLnBrk="0" hangingPunct="1">
+              <a:lnSpc>
+                <a:spcPct val="100000"/>
+              </a:lnSpc>
+              <a:spcBef>
+                <a:spcPts val="0"/>
+              </a:spcBef>
+              <a:spcAft>
+                <a:spcPts val="0"/>
+              </a:spcAft>
+              <a:buClrTx/>
+              <a:buSzTx/>
+              <a:buFontTx/>
+              <a:buNone/>
+              <a:tabLst/>
+              <a:defRPr/>
+            </a:pPr>
+            <a:r>
+              <a:rPr lang="es-ES" dirty="0"/>
+              <a:t>Además se logró evidenciar las facilidades que brinda este tipo de solución en el desarrollo de asistentes virtuales sin necesidad de especialistas y reduciendo el trabajo que cuesta dicha tarea; también cómo mejora la capacidad de respuesta de los asistentes virtuales y a su vez la calidad de su servicio al interactuar con las personas.</a:t>
+            </a:r>
+          </a:p>
+          <a:p>
+            <a:endParaRPr lang="es-ES" dirty="0"/>
           </a:p>
         </p:txBody>
       </p:sp>
@@ -1611,7 +1711,99 @@
           <a:p>
             <a:fld id="{3078BF56-2ECF-4460-BCB4-07206B519773}" type="slidenum">
               <a:rPr lang="es-ES" smtClean="0"/>
-              <a:t>19</a:t>
+              <a:t>11</a:t>
+            </a:fld>
+            <a:endParaRPr lang="es-ES"/>
+          </a:p>
+        </p:txBody>
+      </p:sp>
+    </p:spTree>
+    <p:extLst>
+      <p:ext uri="{BB962C8B-B14F-4D97-AF65-F5344CB8AC3E}">
+        <p14:creationId xmlns:p14="http://schemas.microsoft.com/office/powerpoint/2010/main" val="1327427965"/>
+      </p:ext>
+    </p:extLst>
+  </p:cSld>
+  <p:clrMapOvr>
+    <a:masterClrMapping/>
+  </p:clrMapOvr>
+</p:notes>
+</file>
+
+<file path=ppt/notesSlides/notesSlide8.xml><?xml version="1.0" encoding="utf-8"?>
+<p:notes xmlns:a="http://schemas.openxmlformats.org/drawingml/2006/main" xmlns:r="http://schemas.openxmlformats.org/officeDocument/2006/relationships" xmlns:p="http://schemas.openxmlformats.org/presentationml/2006/main">
+  <p:cSld>
+    <p:spTree>
+      <p:nvGrpSpPr>
+        <p:cNvPr id="1" name=""/>
+        <p:cNvGrpSpPr/>
+        <p:nvPr/>
+      </p:nvGrpSpPr>
+      <p:grpSpPr>
+        <a:xfrm>
+          <a:off x="0" y="0"/>
+          <a:ext cx="0" cy="0"/>
+          <a:chOff x="0" y="0"/>
+          <a:chExt cx="0" cy="0"/>
+        </a:xfrm>
+      </p:grpSpPr>
+      <p:sp>
+        <p:nvSpPr>
+          <p:cNvPr id="2" name="Marcador de imagen de diapositiva 1"/>
+          <p:cNvSpPr>
+            <a:spLocks noGrp="1" noRot="1" noChangeAspect="1"/>
+          </p:cNvSpPr>
+          <p:nvPr>
+            <p:ph type="sldImg"/>
+          </p:nvPr>
+        </p:nvSpPr>
+        <p:spPr/>
+      </p:sp>
+      <p:sp>
+        <p:nvSpPr>
+          <p:cNvPr id="3" name="Marcador de notas 2"/>
+          <p:cNvSpPr>
+            <a:spLocks noGrp="1"/>
+          </p:cNvSpPr>
+          <p:nvPr>
+            <p:ph type="body" idx="1"/>
+          </p:nvPr>
+        </p:nvSpPr>
+        <p:spPr/>
+        <p:txBody>
+          <a:bodyPr/>
+          <a:lstStyle/>
+          <a:p>
+            <a:r>
+              <a:rPr lang="es-ES" noProof="0" dirty="0"/>
+              <a:t>Conversación</a:t>
+            </a:r>
+            <a:r>
+              <a:rPr lang="es-ES" dirty="0"/>
+              <a:t> con el asistente virtual</a:t>
+            </a:r>
+            <a:endParaRPr lang="es-CU" dirty="0"/>
+          </a:p>
+        </p:txBody>
+      </p:sp>
+      <p:sp>
+        <p:nvSpPr>
+          <p:cNvPr id="4" name="Marcador de número de diapositiva 3"/>
+          <p:cNvSpPr>
+            <a:spLocks noGrp="1"/>
+          </p:cNvSpPr>
+          <p:nvPr>
+            <p:ph type="sldNum" sz="quarter" idx="5"/>
+          </p:nvPr>
+        </p:nvSpPr>
+        <p:spPr/>
+        <p:txBody>
+          <a:bodyPr/>
+          <a:lstStyle/>
+          <a:p>
+            <a:fld id="{3078BF56-2ECF-4460-BCB4-07206B519773}" type="slidenum">
+              <a:rPr lang="es-ES" smtClean="0"/>
+              <a:t>18</a:t>
             </a:fld>
             <a:endParaRPr lang="es-ES"/>
           </a:p>
@@ -1630,7 +1822,7 @@
 </p:notes>
 </file>
 
-<file path=ppt/notesSlides/notesSlide8.xml><?xml version="1.0" encoding="utf-8"?>
+<file path=ppt/notesSlides/notesSlide9.xml><?xml version="1.0" encoding="utf-8"?>
 <p:notes xmlns:a="http://schemas.openxmlformats.org/drawingml/2006/main" xmlns:r="http://schemas.openxmlformats.org/officeDocument/2006/relationships" xmlns:p="http://schemas.openxmlformats.org/presentationml/2006/main">
   <p:cSld>
     <p:bg>
@@ -2188,7 +2380,7 @@
           <a:p>
             <a:fld id="{B68655D5-7C77-493A-8D32-5357D2FC22A3}" type="datetimeFigureOut">
               <a:rPr lang="es-ES" smtClean="0"/>
-              <a:t>08/10/2022</a:t>
+              <a:t>09/10/2022</a:t>
             </a:fld>
             <a:endParaRPr lang="es-ES"/>
           </a:p>
@@ -2367,7 +2559,7 @@
           <a:p>
             <a:fld id="{B68655D5-7C77-493A-8D32-5357D2FC22A3}" type="datetimeFigureOut">
               <a:rPr lang="es-ES" smtClean="0"/>
-              <a:t>08/10/2022</a:t>
+              <a:t>09/10/2022</a:t>
             </a:fld>
             <a:endParaRPr lang="es-ES"/>
           </a:p>
@@ -2547,7 +2739,7 @@
           <a:p>
             <a:fld id="{B68655D5-7C77-493A-8D32-5357D2FC22A3}" type="datetimeFigureOut">
               <a:rPr lang="es-ES" smtClean="0"/>
-              <a:t>08/10/2022</a:t>
+              <a:t>09/10/2022</a:t>
             </a:fld>
             <a:endParaRPr lang="es-ES"/>
           </a:p>
@@ -2717,7 +2909,7 @@
           <a:p>
             <a:fld id="{B68655D5-7C77-493A-8D32-5357D2FC22A3}" type="datetimeFigureOut">
               <a:rPr lang="es-ES" smtClean="0"/>
-              <a:t>08/10/2022</a:t>
+              <a:t>09/10/2022</a:t>
             </a:fld>
             <a:endParaRPr lang="es-ES"/>
           </a:p>
@@ -3030,7 +3222,7 @@
           <a:p>
             <a:fld id="{B68655D5-7C77-493A-8D32-5357D2FC22A3}" type="datetimeFigureOut">
               <a:rPr lang="es-ES" smtClean="0"/>
-              <a:t>08/10/2022</a:t>
+              <a:t>09/10/2022</a:t>
             </a:fld>
             <a:endParaRPr lang="es-ES"/>
           </a:p>
@@ -3416,7 +3608,7 @@
           <a:p>
             <a:fld id="{B68655D5-7C77-493A-8D32-5357D2FC22A3}" type="datetimeFigureOut">
               <a:rPr lang="es-ES" smtClean="0"/>
-              <a:t>08/10/2022</a:t>
+              <a:t>09/10/2022</a:t>
             </a:fld>
             <a:endParaRPr lang="es-ES"/>
           </a:p>
@@ -3850,7 +4042,7 @@
           <a:p>
             <a:fld id="{B68655D5-7C77-493A-8D32-5357D2FC22A3}" type="datetimeFigureOut">
               <a:rPr lang="es-ES" smtClean="0"/>
-              <a:t>08/10/2022</a:t>
+              <a:t>09/10/2022</a:t>
             </a:fld>
             <a:endParaRPr lang="es-ES"/>
           </a:p>
@@ -3968,7 +4160,7 @@
           <a:p>
             <a:fld id="{B68655D5-7C77-493A-8D32-5357D2FC22A3}" type="datetimeFigureOut">
               <a:rPr lang="es-ES" smtClean="0"/>
-              <a:t>08/10/2022</a:t>
+              <a:t>09/10/2022</a:t>
             </a:fld>
             <a:endParaRPr lang="es-ES"/>
           </a:p>
@@ -4063,7 +4255,7 @@
           <a:p>
             <a:fld id="{B68655D5-7C77-493A-8D32-5357D2FC22A3}" type="datetimeFigureOut">
               <a:rPr lang="es-ES" smtClean="0"/>
-              <a:t>08/10/2022</a:t>
+              <a:t>09/10/2022</a:t>
             </a:fld>
             <a:endParaRPr lang="es-ES"/>
           </a:p>
@@ -4413,7 +4605,7 @@
           <a:p>
             <a:fld id="{B68655D5-7C77-493A-8D32-5357D2FC22A3}" type="datetimeFigureOut">
               <a:rPr lang="es-ES" smtClean="0"/>
-              <a:t>08/10/2022</a:t>
+              <a:t>09/10/2022</a:t>
             </a:fld>
             <a:endParaRPr lang="es-ES"/>
           </a:p>
@@ -4838,7 +5030,7 @@
           <a:p>
             <a:fld id="{B68655D5-7C77-493A-8D32-5357D2FC22A3}" type="datetimeFigureOut">
               <a:rPr lang="es-ES" smtClean="0"/>
-              <a:t>08/10/2022</a:t>
+              <a:t>09/10/2022</a:t>
             </a:fld>
             <a:endParaRPr lang="es-ES"/>
           </a:p>
@@ -5119,7 +5311,7 @@
           <a:p>
             <a:fld id="{B68655D5-7C77-493A-8D32-5357D2FC22A3}" type="datetimeFigureOut">
               <a:rPr lang="es-ES" smtClean="0"/>
-              <a:t>08/10/2022</a:t>
+              <a:t>09/10/2022</a:t>
             </a:fld>
             <a:endParaRPr lang="es-ES"/>
           </a:p>
@@ -7224,33 +7416,47 @@
             <p:ph idx="1"/>
           </p:nvPr>
         </p:nvSpPr>
-        <p:spPr/>
+        <p:spPr>
+          <a:xfrm>
+            <a:off x="1069848" y="2121408"/>
+            <a:ext cx="10058400" cy="2238321"/>
+          </a:xfrm>
+        </p:spPr>
         <p:txBody>
-          <a:bodyPr/>
+          <a:bodyPr>
+            <a:noAutofit/>
+          </a:bodyPr>
           <a:lstStyle/>
           <a:p>
             <a:pPr algn="just"/>
             <a:r>
               <a:rPr lang="es-ES" dirty="0"/>
-              <a:t>Un sistema que a partir de datos proporcionados pudiera generar o construir automáticamente la estructura de conocimiento de un asistente virtual desarrollado en Rasa, lo que reduce en gran medida el error humano al realizar este trabajo manualmente.</a:t>
-            </a:r>
+              <a:t>Un sistema que a partir de datos proporcionados pudiera generar o construir automáticamente la estructura de conocimiento.</a:t>
+            </a:r>
+          </a:p>
+          <a:p>
+            <a:pPr marL="0" indent="0" algn="just">
+              <a:buNone/>
+            </a:pPr>
+            <a:endParaRPr lang="es-ES" dirty="0"/>
           </a:p>
           <a:p>
             <a:pPr algn="just"/>
             <a:r>
               <a:rPr lang="es-ES" dirty="0"/>
-              <a:t>La investigación también permitió saber el cómo lograr la construcción automática de asistentes virtuales a partir de una base de conocimiento nueva previamente construida.</a:t>
+              <a:t>La investigación también permitió saber el cómo lograr la construcción automática de asistentes virtuales.</a:t>
             </a:r>
           </a:p>
           <a:p>
             <a:pPr algn="just"/>
+            <a:endParaRPr lang="es-ES" dirty="0"/>
+          </a:p>
+          <a:p>
+            <a:pPr algn="just"/>
             <a:r>
               <a:rPr lang="es-ES" dirty="0"/>
-              <a:t>Además se logró evidenciar las facilidades que brinda este tipo de solución en el desarrollo de asistentes virtuales sin necesidad de especialistas y reduciendo el trabajo que cuesta dicha tarea; también cómo mejora la capacidad de respuesta de los asistentes virtuales y a su vez la calidad de su servicio al interactuar con las personas.</a:t>
-            </a:r>
-          </a:p>
-          <a:p>
-            <a:endParaRPr lang="es-ES" dirty="0"/>
+              <a:t>Además se logró evidenciar las facilidades que brinda este tipo de solución en el desarrollo de asistentes virtuales.</a:t>
+            </a:r>
           </a:p>
         </p:txBody>
       </p:sp>
@@ -9173,6 +9379,181 @@
           </a:effectLst>
         </p:spPr>
       </p:pic>
+      <p:sp>
+        <p:nvSpPr>
+          <p:cNvPr id="3" name="CuadroTexto 2">
+            <a:extLst>
+              <a:ext uri="{FF2B5EF4-FFF2-40B4-BE49-F238E27FC236}">
+                <a16:creationId xmlns:a16="http://schemas.microsoft.com/office/drawing/2014/main" id="{CF021982-FDCC-6DEA-FB53-56AD238916A6}"/>
+              </a:ext>
+            </a:extLst>
+          </p:cNvPr>
+          <p:cNvSpPr txBox="1"/>
+          <p:nvPr/>
+        </p:nvSpPr>
+        <p:spPr>
+          <a:xfrm>
+            <a:off x="3020786" y="3820886"/>
+            <a:ext cx="342900" cy="400110"/>
+          </a:xfrm>
+          <a:prstGeom prst="rect">
+            <a:avLst/>
+          </a:prstGeom>
+          <a:noFill/>
+        </p:spPr>
+        <p:txBody>
+          <a:bodyPr wrap="square" rtlCol="0">
+            <a:spAutoFit/>
+          </a:bodyPr>
+          <a:lstStyle/>
+          <a:p>
+            <a:r>
+              <a:rPr lang="es-ES" sz="2000" b="1" dirty="0"/>
+              <a:t>1</a:t>
+            </a:r>
+          </a:p>
+        </p:txBody>
+      </p:sp>
+      <p:sp>
+        <p:nvSpPr>
+          <p:cNvPr id="5" name="CuadroTexto 4">
+            <a:extLst>
+              <a:ext uri="{FF2B5EF4-FFF2-40B4-BE49-F238E27FC236}">
+                <a16:creationId xmlns:a16="http://schemas.microsoft.com/office/drawing/2014/main" id="{5B467354-2551-AAAB-13DE-C4FF63DAB6CE}"/>
+              </a:ext>
+            </a:extLst>
+          </p:cNvPr>
+          <p:cNvSpPr txBox="1"/>
+          <p:nvPr/>
+        </p:nvSpPr>
+        <p:spPr>
+          <a:xfrm>
+            <a:off x="4740729" y="2520875"/>
+            <a:ext cx="342900" cy="400110"/>
+          </a:xfrm>
+          <a:prstGeom prst="rect">
+            <a:avLst/>
+          </a:prstGeom>
+          <a:noFill/>
+        </p:spPr>
+        <p:txBody>
+          <a:bodyPr wrap="square" rtlCol="0">
+            <a:spAutoFit/>
+          </a:bodyPr>
+          <a:lstStyle/>
+          <a:p>
+            <a:r>
+              <a:rPr lang="es-ES" sz="2000" b="1" dirty="0"/>
+              <a:t>2</a:t>
+            </a:r>
+          </a:p>
+        </p:txBody>
+      </p:sp>
+      <p:sp>
+        <p:nvSpPr>
+          <p:cNvPr id="6" name="CuadroTexto 5">
+            <a:extLst>
+              <a:ext uri="{FF2B5EF4-FFF2-40B4-BE49-F238E27FC236}">
+                <a16:creationId xmlns:a16="http://schemas.microsoft.com/office/drawing/2014/main" id="{725BCF2F-1FAD-6A74-36F8-961CB5B3818D}"/>
+              </a:ext>
+            </a:extLst>
+          </p:cNvPr>
+          <p:cNvSpPr txBox="1"/>
+          <p:nvPr/>
+        </p:nvSpPr>
+        <p:spPr>
+          <a:xfrm>
+            <a:off x="5619653" y="3086104"/>
+            <a:ext cx="342900" cy="400110"/>
+          </a:xfrm>
+          <a:prstGeom prst="rect">
+            <a:avLst/>
+          </a:prstGeom>
+          <a:noFill/>
+        </p:spPr>
+        <p:txBody>
+          <a:bodyPr wrap="square" rtlCol="0">
+            <a:spAutoFit/>
+          </a:bodyPr>
+          <a:lstStyle/>
+          <a:p>
+            <a:r>
+              <a:rPr lang="es-ES" sz="2000" b="1" dirty="0"/>
+              <a:t>3</a:t>
+            </a:r>
+          </a:p>
+        </p:txBody>
+      </p:sp>
+      <p:sp>
+        <p:nvSpPr>
+          <p:cNvPr id="7" name="CuadroTexto 6">
+            <a:extLst>
+              <a:ext uri="{FF2B5EF4-FFF2-40B4-BE49-F238E27FC236}">
+                <a16:creationId xmlns:a16="http://schemas.microsoft.com/office/drawing/2014/main" id="{914261B6-FF7B-FB7F-E859-239866BB1B1C}"/>
+              </a:ext>
+            </a:extLst>
+          </p:cNvPr>
+          <p:cNvSpPr txBox="1"/>
+          <p:nvPr/>
+        </p:nvSpPr>
+        <p:spPr>
+          <a:xfrm>
+            <a:off x="5949048" y="3906641"/>
+            <a:ext cx="342900" cy="400110"/>
+          </a:xfrm>
+          <a:prstGeom prst="rect">
+            <a:avLst/>
+          </a:prstGeom>
+          <a:noFill/>
+        </p:spPr>
+        <p:txBody>
+          <a:bodyPr wrap="square" rtlCol="0">
+            <a:spAutoFit/>
+          </a:bodyPr>
+          <a:lstStyle/>
+          <a:p>
+            <a:r>
+              <a:rPr lang="es-ES" sz="2000" b="1" dirty="0"/>
+              <a:t>4</a:t>
+            </a:r>
+          </a:p>
+        </p:txBody>
+      </p:sp>
+      <p:sp>
+        <p:nvSpPr>
+          <p:cNvPr id="8" name="CuadroTexto 7">
+            <a:extLst>
+              <a:ext uri="{FF2B5EF4-FFF2-40B4-BE49-F238E27FC236}">
+                <a16:creationId xmlns:a16="http://schemas.microsoft.com/office/drawing/2014/main" id="{AD18E729-B6F9-E42B-BD75-A8C6003B4CDA}"/>
+              </a:ext>
+            </a:extLst>
+          </p:cNvPr>
+          <p:cNvSpPr txBox="1"/>
+          <p:nvPr/>
+        </p:nvSpPr>
+        <p:spPr>
+          <a:xfrm>
+            <a:off x="4740729" y="5946469"/>
+            <a:ext cx="342900" cy="400110"/>
+          </a:xfrm>
+          <a:prstGeom prst="rect">
+            <a:avLst/>
+          </a:prstGeom>
+          <a:noFill/>
+        </p:spPr>
+        <p:txBody>
+          <a:bodyPr wrap="square" rtlCol="0">
+            <a:spAutoFit/>
+          </a:bodyPr>
+          <a:lstStyle/>
+          <a:p>
+            <a:r>
+              <a:rPr lang="es-ES" sz="2000" b="1" dirty="0"/>
+              <a:t>5</a:t>
+            </a:r>
+          </a:p>
+        </p:txBody>
+      </p:sp>
     </p:spTree>
     <p:extLst>
       <p:ext uri="{BB962C8B-B14F-4D97-AF65-F5344CB8AC3E}">
@@ -9208,7 +9589,7 @@
           <p:cNvPr id="2" name="Título 1">
             <a:extLst>
               <a:ext uri="{FF2B5EF4-FFF2-40B4-BE49-F238E27FC236}">
-                <a16:creationId xmlns:a16="http://schemas.microsoft.com/office/drawing/2014/main" id="{2C1FB99B-8429-CEF2-DC58-5CA56A8F776D}"/>
+                <a16:creationId xmlns:a16="http://schemas.microsoft.com/office/drawing/2014/main" id="{36DEF82A-C5C9-B4D7-227E-B11D64B9BE4C}"/>
               </a:ext>
             </a:extLst>
           </p:cNvPr>
@@ -9221,7 +9602,7 @@
         </p:nvSpPr>
         <p:spPr>
           <a:xfrm>
-            <a:off x="1069848" y="-287881"/>
+            <a:off x="1069848" y="-194845"/>
             <a:ext cx="10058400" cy="1609344"/>
           </a:xfrm>
         </p:spPr>
@@ -9232,17 +9613,17 @@
             <a:pPr algn="ctr"/>
             <a:r>
               <a:rPr lang="es-ES" dirty="0"/>
-              <a:t>Arquitectura del Sistema</a:t>
+              <a:t>Diseño de Base de Datos</a:t>
             </a:r>
           </a:p>
         </p:txBody>
       </p:sp>
       <p:pic>
         <p:nvPicPr>
-          <p:cNvPr id="5" name="Imagen 4">
+          <p:cNvPr id="7" name="Imagen 6">
             <a:extLst>
               <a:ext uri="{FF2B5EF4-FFF2-40B4-BE49-F238E27FC236}">
-                <a16:creationId xmlns:a16="http://schemas.microsoft.com/office/drawing/2014/main" id="{479F2CCB-9EDC-59C5-70CD-FDCE80675270}"/>
+                <a16:creationId xmlns:a16="http://schemas.microsoft.com/office/drawing/2014/main" id="{6B91F4FA-A409-121D-C298-1AB8DDAD40BD}"/>
               </a:ext>
             </a:extLst>
           </p:cNvPr>
@@ -9265,8 +9646,8 @@
         </p:blipFill>
         <p:spPr>
           <a:xfrm>
-            <a:off x="740979" y="1321463"/>
-            <a:ext cx="10381173" cy="5181813"/>
+            <a:off x="424543" y="1108302"/>
+            <a:ext cx="10762569" cy="5570084"/>
           </a:xfrm>
           <a:prstGeom prst="rect">
             <a:avLst/>
@@ -9290,7 +9671,7 @@
     </p:spTree>
     <p:extLst>
       <p:ext uri="{BB962C8B-B14F-4D97-AF65-F5344CB8AC3E}">
-        <p14:creationId xmlns:p14="http://schemas.microsoft.com/office/powerpoint/2010/main" val="570536936"/>
+        <p14:creationId xmlns:p14="http://schemas.microsoft.com/office/powerpoint/2010/main" val="2621268035"/>
       </p:ext>
     </p:extLst>
   </p:cSld>
@@ -9322,143 +9703,6 @@
           <p:cNvPr id="2" name="Título 1">
             <a:extLst>
               <a:ext uri="{FF2B5EF4-FFF2-40B4-BE49-F238E27FC236}">
-                <a16:creationId xmlns:a16="http://schemas.microsoft.com/office/drawing/2014/main" id="{36DEF82A-C5C9-B4D7-227E-B11D64B9BE4C}"/>
-              </a:ext>
-            </a:extLst>
-          </p:cNvPr>
-          <p:cNvSpPr>
-            <a:spLocks noGrp="1"/>
-          </p:cNvSpPr>
-          <p:nvPr>
-            <p:ph type="title"/>
-          </p:nvPr>
-        </p:nvSpPr>
-        <p:spPr>
-          <a:xfrm>
-            <a:off x="1069848" y="-31555"/>
-            <a:ext cx="10058400" cy="1609344"/>
-          </a:xfrm>
-        </p:spPr>
-        <p:txBody>
-          <a:bodyPr/>
-          <a:lstStyle/>
-          <a:p>
-            <a:pPr algn="ctr"/>
-            <a:r>
-              <a:rPr lang="es-ES" dirty="0"/>
-              <a:t>Diseño de Base de Datos</a:t>
-            </a:r>
-          </a:p>
-        </p:txBody>
-      </p:sp>
-      <p:pic>
-        <p:nvPicPr>
-          <p:cNvPr id="4" name="Marcador de contenido 3">
-            <a:extLst>
-              <a:ext uri="{FF2B5EF4-FFF2-40B4-BE49-F238E27FC236}">
-                <a16:creationId xmlns:a16="http://schemas.microsoft.com/office/drawing/2014/main" id="{2B67347B-BD7F-F46A-6C4E-8139CB143FA2}"/>
-              </a:ext>
-            </a:extLst>
-          </p:cNvPr>
-          <p:cNvPicPr>
-            <a:picLocks noGrp="1" noChangeAspect="1"/>
-          </p:cNvPicPr>
-          <p:nvPr>
-            <p:ph idx="1"/>
-          </p:nvPr>
-        </p:nvPicPr>
-        <p:blipFill rotWithShape="1">
-          <a:blip r:embed="rId2">
-            <a:extLst>
-              <a:ext uri="{28A0092B-C50C-407E-A947-70E740481C1C}">
-                <a14:useLocalDpi xmlns:a14="http://schemas.microsoft.com/office/drawing/2010/main" val="0"/>
-              </a:ext>
-            </a:extLst>
-          </a:blip>
-          <a:srcRect b="11021"/>
-          <a:stretch/>
-        </p:blipFill>
-        <p:spPr bwMode="auto">
-          <a:xfrm>
-            <a:off x="1091245" y="1297863"/>
-            <a:ext cx="10058400" cy="5383156"/>
-          </a:xfrm>
-          <a:prstGeom prst="rect">
-            <a:avLst/>
-          </a:prstGeom>
-          <a:ln w="38100" cap="sq" cmpd="sng" algn="ctr">
-            <a:solidFill>
-              <a:srgbClr val="000000"/>
-            </a:solidFill>
-            <a:prstDash val="solid"/>
-            <a:miter lim="800000"/>
-            <a:headEnd type="none" w="med" len="med"/>
-            <a:tailEnd type="none" w="med" len="med"/>
-            <a:extLst>
-              <a:ext uri="{C807C97D-BFC1-408E-A445-0C87EB9F89A2}">
-                <ask:lineSketchStyleProps xmlns:ask="http://schemas.microsoft.com/office/drawing/2018/sketchyshapes" sd="0">
-                  <a:custGeom>
-                    <a:avLst/>
-                    <a:gdLst/>
-                    <a:ahLst/>
-                    <a:cxnLst/>
-                    <a:rect l="0" t="0" r="0" b="0"/>
-                    <a:pathLst/>
-                  </a:custGeom>
-                  <ask:type/>
-                </ask:lineSketchStyleProps>
-              </a:ext>
-            </a:extLst>
-          </a:ln>
-          <a:effectLst>
-            <a:outerShdw blurRad="50800" dist="38100" dir="2700000" algn="tl" rotWithShape="0">
-              <a:srgbClr val="000000">
-                <a:alpha val="43000"/>
-              </a:srgbClr>
-            </a:outerShdw>
-          </a:effectLst>
-          <a:extLst>
-            <a:ext uri="{53640926-AAD7-44D8-BBD7-CCE9431645EC}">
-              <a14:shadowObscured xmlns:a14="http://schemas.microsoft.com/office/drawing/2010/main"/>
-            </a:ext>
-          </a:extLst>
-        </p:spPr>
-      </p:pic>
-    </p:spTree>
-    <p:extLst>
-      <p:ext uri="{BB962C8B-B14F-4D97-AF65-F5344CB8AC3E}">
-        <p14:creationId xmlns:p14="http://schemas.microsoft.com/office/powerpoint/2010/main" val="2621268035"/>
-      </p:ext>
-    </p:extLst>
-  </p:cSld>
-  <p:clrMapOvr>
-    <a:masterClrMapping/>
-  </p:clrMapOvr>
-</p:sld>
-</file>
-
-<file path=ppt/slides/slide18.xml><?xml version="1.0" encoding="utf-8"?>
-<p:sld xmlns:a="http://schemas.openxmlformats.org/drawingml/2006/main" xmlns:r="http://schemas.openxmlformats.org/officeDocument/2006/relationships" xmlns:p="http://schemas.openxmlformats.org/presentationml/2006/main">
-  <p:cSld>
-    <p:spTree>
-      <p:nvGrpSpPr>
-        <p:cNvPr id="1" name=""/>
-        <p:cNvGrpSpPr/>
-        <p:nvPr/>
-      </p:nvGrpSpPr>
-      <p:grpSpPr>
-        <a:xfrm>
-          <a:off x="0" y="0"/>
-          <a:ext cx="0" cy="0"/>
-          <a:chOff x="0" y="0"/>
-          <a:chExt cx="0" cy="0"/>
-        </a:xfrm>
-      </p:grpSpPr>
-      <p:sp>
-        <p:nvSpPr>
-          <p:cNvPr id="2" name="Título 1">
-            <a:extLst>
-              <a:ext uri="{FF2B5EF4-FFF2-40B4-BE49-F238E27FC236}">
                 <a16:creationId xmlns:a16="http://schemas.microsoft.com/office/drawing/2014/main" id="{75415DC7-02CB-7D93-93BE-B585EEE17373}"/>
               </a:ext>
             </a:extLst>
@@ -9527,6 +9771,12 @@
               <a:t>Algunas de las pruebas realizadas a la herramienta demuestran que aún falta mejorar el sistema de generación de conocimiento al proporcionar las preguntas y respuestas a partir de los datos entrados.</a:t>
             </a:r>
           </a:p>
+          <a:p>
+            <a:r>
+              <a:rPr lang="es-ES" dirty="0"/>
+              <a:t>Cómo trabajo futuro se pretende mejorar la interfaz visual de la herramienta y que no sea interfaz basada en texto. Mejorar el algoritmo de generación de preguntas y respuestas, así como hacerlo extensible a idioma tanto español como inglés.</a:t>
+            </a:r>
+          </a:p>
         </p:txBody>
       </p:sp>
     </p:spTree>
@@ -9542,7 +9792,7 @@
 </p:sld>
 </file>
 
-<file path=ppt/slides/slide19.xml><?xml version="1.0" encoding="utf-8"?>
+<file path=ppt/slides/slide18.xml><?xml version="1.0" encoding="utf-8"?>
 <p:sld xmlns:a="http://schemas.openxmlformats.org/drawingml/2006/main" xmlns:r="http://schemas.openxmlformats.org/officeDocument/2006/relationships" xmlns:p="http://schemas.openxmlformats.org/presentationml/2006/main">
   <p:cSld>
     <p:spTree>
@@ -9790,6 +10040,710 @@
                 <p:cond evt="onClick" delay="0">
                   <p:tgtEl>
                     <p:spTgt spid="3"/>
+                  </p:tgtEl>
+                </p:cond>
+              </p:nextCondLst>
+            </p:seq>
+          </p:childTnLst>
+        </p:cTn>
+      </p:par>
+    </p:tnLst>
+  </p:timing>
+</p:sld>
+</file>
+
+<file path=ppt/slides/slide19.xml><?xml version="1.0" encoding="utf-8"?>
+<p:sld xmlns:a="http://schemas.openxmlformats.org/drawingml/2006/main" xmlns:r="http://schemas.openxmlformats.org/officeDocument/2006/relationships" xmlns:p="http://schemas.openxmlformats.org/presentationml/2006/main">
+  <p:cSld>
+    <p:spTree>
+      <p:nvGrpSpPr>
+        <p:cNvPr id="1" name=""/>
+        <p:cNvGrpSpPr/>
+        <p:nvPr/>
+      </p:nvGrpSpPr>
+      <p:grpSpPr>
+        <a:xfrm>
+          <a:off x="0" y="0"/>
+          <a:ext cx="0" cy="0"/>
+          <a:chOff x="0" y="0"/>
+          <a:chExt cx="0" cy="0"/>
+        </a:xfrm>
+      </p:grpSpPr>
+      <p:pic>
+        <p:nvPicPr>
+          <p:cNvPr id="3074" name="Picture 1">
+            <a:extLst>
+              <a:ext uri="{FF2B5EF4-FFF2-40B4-BE49-F238E27FC236}">
+                <a16:creationId xmlns:a16="http://schemas.microsoft.com/office/drawing/2014/main" id="{9DC66159-C388-4239-B779-8B52EB223B9F}"/>
+              </a:ext>
+            </a:extLst>
+          </p:cNvPr>
+          <p:cNvPicPr>
+            <a:picLocks noChangeAspect="1" noChangeArrowheads="1"/>
+          </p:cNvPicPr>
+          <p:nvPr/>
+        </p:nvPicPr>
+        <p:blipFill>
+          <a:blip r:embed="rId3">
+            <a:extLst>
+              <a:ext uri="{28A0092B-C50C-407E-A947-70E740481C1C}">
+                <a14:useLocalDpi xmlns:a14="http://schemas.microsoft.com/office/drawing/2010/main" val="0"/>
+              </a:ext>
+            </a:extLst>
+          </a:blip>
+          <a:srcRect/>
+          <a:stretch>
+            <a:fillRect/>
+          </a:stretch>
+        </p:blipFill>
+        <p:spPr bwMode="auto">
+          <a:xfrm>
+            <a:off x="0" y="0"/>
+            <a:ext cx="4011562" cy="6858000"/>
+          </a:xfrm>
+          <a:prstGeom prst="rect">
+            <a:avLst/>
+          </a:prstGeom>
+          <a:noFill/>
+          <a:ln>
+            <a:noFill/>
+          </a:ln>
+          <a:effectLst/>
+          <a:extLst>
+            <a:ext uri="{909E8E84-426E-40DD-AFC4-6F175D3DCCD1}">
+              <a14:hiddenFill xmlns:a14="http://schemas.microsoft.com/office/drawing/2010/main">
+                <a:blipFill dpi="0" rotWithShape="0">
+                  <a:blip/>
+                  <a:srcRect/>
+                  <a:stretch>
+                    <a:fillRect/>
+                  </a:stretch>
+                </a:blipFill>
+              </a14:hiddenFill>
+            </a:ext>
+            <a:ext uri="{91240B29-F687-4F45-9708-019B960494DF}">
+              <a14:hiddenLine xmlns:a14="http://schemas.microsoft.com/office/drawing/2010/main" w="9525">
+                <a:solidFill>
+                  <a:srgbClr val="3465A4"/>
+                </a:solidFill>
+                <a:round/>
+                <a:headEnd/>
+                <a:tailEnd/>
+              </a14:hiddenLine>
+            </a:ext>
+            <a:ext uri="{AF507438-7753-43E0-B8FC-AC1667EBCBE1}">
+              <a14:hiddenEffects xmlns:a14="http://schemas.microsoft.com/office/drawing/2010/main">
+                <a:effectLst>
+                  <a:outerShdw dist="35921" dir="2700000" algn="ctr" rotWithShape="0">
+                    <a:srgbClr val="808080"/>
+                  </a:outerShdw>
+                </a:effectLst>
+              </a14:hiddenEffects>
+            </a:ext>
+          </a:extLst>
+        </p:spPr>
+      </p:pic>
+      <p:pic>
+        <p:nvPicPr>
+          <p:cNvPr id="3075" name="Picture 2">
+            <a:extLst>
+              <a:ext uri="{FF2B5EF4-FFF2-40B4-BE49-F238E27FC236}">
+                <a16:creationId xmlns:a16="http://schemas.microsoft.com/office/drawing/2014/main" id="{88495DEA-FEBE-4103-85AD-41859F53FD35}"/>
+              </a:ext>
+            </a:extLst>
+          </p:cNvPr>
+          <p:cNvPicPr>
+            <a:picLocks noChangeAspect="1" noChangeArrowheads="1"/>
+          </p:cNvPicPr>
+          <p:nvPr/>
+        </p:nvPicPr>
+        <p:blipFill>
+          <a:blip r:embed="rId4">
+            <a:extLst>
+              <a:ext uri="{28A0092B-C50C-407E-A947-70E740481C1C}">
+                <a14:useLocalDpi xmlns:a14="http://schemas.microsoft.com/office/drawing/2010/main" val="0"/>
+              </a:ext>
+            </a:extLst>
+          </a:blip>
+          <a:srcRect/>
+          <a:stretch>
+            <a:fillRect/>
+          </a:stretch>
+        </p:blipFill>
+        <p:spPr bwMode="auto">
+          <a:xfrm>
+            <a:off x="6931818" y="547016"/>
+            <a:ext cx="2328863" cy="625475"/>
+          </a:xfrm>
+          <a:prstGeom prst="rect">
+            <a:avLst/>
+          </a:prstGeom>
+          <a:noFill/>
+          <a:ln>
+            <a:noFill/>
+          </a:ln>
+          <a:effectLst/>
+          <a:extLst>
+            <a:ext uri="{909E8E84-426E-40DD-AFC4-6F175D3DCCD1}">
+              <a14:hiddenFill xmlns:a14="http://schemas.microsoft.com/office/drawing/2010/main">
+                <a:blipFill dpi="0" rotWithShape="0">
+                  <a:blip/>
+                  <a:srcRect/>
+                  <a:stretch>
+                    <a:fillRect/>
+                  </a:stretch>
+                </a:blipFill>
+              </a14:hiddenFill>
+            </a:ext>
+            <a:ext uri="{91240B29-F687-4F45-9708-019B960494DF}">
+              <a14:hiddenLine xmlns:a14="http://schemas.microsoft.com/office/drawing/2010/main" w="9525">
+                <a:solidFill>
+                  <a:srgbClr val="3465A4"/>
+                </a:solidFill>
+                <a:round/>
+                <a:headEnd/>
+                <a:tailEnd/>
+              </a14:hiddenLine>
+            </a:ext>
+            <a:ext uri="{AF507438-7753-43E0-B8FC-AC1667EBCBE1}">
+              <a14:hiddenEffects xmlns:a14="http://schemas.microsoft.com/office/drawing/2010/main">
+                <a:effectLst>
+                  <a:outerShdw dist="35921" dir="2700000" algn="ctr" rotWithShape="0">
+                    <a:srgbClr val="808080"/>
+                  </a:outerShdw>
+                </a:effectLst>
+              </a14:hiddenEffects>
+            </a:ext>
+          </a:extLst>
+        </p:spPr>
+      </p:pic>
+      <p:sp>
+        <p:nvSpPr>
+          <p:cNvPr id="3076" name="Text Box 3">
+            <a:extLst>
+              <a:ext uri="{FF2B5EF4-FFF2-40B4-BE49-F238E27FC236}">
+                <a16:creationId xmlns:a16="http://schemas.microsoft.com/office/drawing/2014/main" id="{E1923479-41EA-4291-AA4D-9AA7710E0BC2}"/>
+              </a:ext>
+            </a:extLst>
+          </p:cNvPr>
+          <p:cNvSpPr txBox="1">
+            <a:spLocks noChangeArrowheads="1"/>
+          </p:cNvSpPr>
+          <p:nvPr/>
+        </p:nvSpPr>
+        <p:spPr bwMode="auto">
+          <a:xfrm>
+            <a:off x="5342220" y="1738158"/>
+            <a:ext cx="5676439" cy="2525949"/>
+          </a:xfrm>
+          <a:prstGeom prst="rect">
+            <a:avLst/>
+          </a:prstGeom>
+          <a:noFill/>
+          <a:ln>
+            <a:noFill/>
+          </a:ln>
+          <a:effectLst/>
+          <a:extLst>
+            <a:ext uri="{909E8E84-426E-40DD-AFC4-6F175D3DCCD1}">
+              <a14:hiddenFill xmlns:a14="http://schemas.microsoft.com/office/drawing/2010/main">
+                <a:solidFill>
+                  <a:srgbClr val="FFFFFF"/>
+                </a:solidFill>
+              </a14:hiddenFill>
+            </a:ext>
+            <a:ext uri="{91240B29-F687-4F45-9708-019B960494DF}">
+              <a14:hiddenLine xmlns:a14="http://schemas.microsoft.com/office/drawing/2010/main" w="9525">
+                <a:solidFill>
+                  <a:srgbClr val="3465A4"/>
+                </a:solidFill>
+                <a:round/>
+                <a:headEnd/>
+                <a:tailEnd/>
+              </a14:hiddenLine>
+            </a:ext>
+            <a:ext uri="{AF507438-7753-43E0-B8FC-AC1667EBCBE1}">
+              <a14:hiddenEffects xmlns:a14="http://schemas.microsoft.com/office/drawing/2010/main">
+                <a:effectLst>
+                  <a:outerShdw dist="35921" dir="2700000" algn="ctr" rotWithShape="0">
+                    <a:srgbClr val="808080"/>
+                  </a:outerShdw>
+                </a:effectLst>
+              </a14:hiddenEffects>
+            </a:ext>
+          </a:extLst>
+        </p:spPr>
+        <p:txBody>
+          <a:bodyPr wrap="square" lIns="90000" tIns="46800" rIns="90000" bIns="46800">
+            <a:spAutoFit/>
+          </a:bodyPr>
+          <a:lstStyle>
+            <a:lvl1pPr>
+              <a:tabLst>
+                <a:tab pos="0" algn="l"/>
+                <a:tab pos="447675" algn="l"/>
+                <a:tab pos="896938" algn="l"/>
+                <a:tab pos="1346200" algn="l"/>
+                <a:tab pos="1795463" algn="l"/>
+                <a:tab pos="2244725" algn="l"/>
+                <a:tab pos="2693988" algn="l"/>
+                <a:tab pos="3143250" algn="l"/>
+                <a:tab pos="3592513" algn="l"/>
+                <a:tab pos="4041775" algn="l"/>
+                <a:tab pos="4491038" algn="l"/>
+                <a:tab pos="4940300" algn="l"/>
+                <a:tab pos="5389563" algn="l"/>
+                <a:tab pos="5838825" algn="l"/>
+                <a:tab pos="6288088" algn="l"/>
+                <a:tab pos="6737350" algn="l"/>
+                <a:tab pos="7186613" algn="l"/>
+                <a:tab pos="7635875" algn="l"/>
+                <a:tab pos="8085138" algn="l"/>
+                <a:tab pos="8534400" algn="l"/>
+                <a:tab pos="8983663" algn="l"/>
+              </a:tabLst>
+              <a:defRPr>
+                <a:solidFill>
+                  <a:schemeClr val="bg1"/>
+                </a:solidFill>
+                <a:latin typeface="Arial" panose="020B0604020202020204" pitchFamily="34" charset="0"/>
+                <a:cs typeface="Arial" panose="020B0604020202020204" pitchFamily="34" charset="0"/>
+              </a:defRPr>
+            </a:lvl1pPr>
+            <a:lvl2pPr>
+              <a:tabLst>
+                <a:tab pos="0" algn="l"/>
+                <a:tab pos="447675" algn="l"/>
+                <a:tab pos="896938" algn="l"/>
+                <a:tab pos="1346200" algn="l"/>
+                <a:tab pos="1795463" algn="l"/>
+                <a:tab pos="2244725" algn="l"/>
+                <a:tab pos="2693988" algn="l"/>
+                <a:tab pos="3143250" algn="l"/>
+                <a:tab pos="3592513" algn="l"/>
+                <a:tab pos="4041775" algn="l"/>
+                <a:tab pos="4491038" algn="l"/>
+                <a:tab pos="4940300" algn="l"/>
+                <a:tab pos="5389563" algn="l"/>
+                <a:tab pos="5838825" algn="l"/>
+                <a:tab pos="6288088" algn="l"/>
+                <a:tab pos="6737350" algn="l"/>
+                <a:tab pos="7186613" algn="l"/>
+                <a:tab pos="7635875" algn="l"/>
+                <a:tab pos="8085138" algn="l"/>
+                <a:tab pos="8534400" algn="l"/>
+                <a:tab pos="8983663" algn="l"/>
+              </a:tabLst>
+              <a:defRPr>
+                <a:solidFill>
+                  <a:schemeClr val="bg1"/>
+                </a:solidFill>
+                <a:latin typeface="Arial" panose="020B0604020202020204" pitchFamily="34" charset="0"/>
+                <a:cs typeface="Arial" panose="020B0604020202020204" pitchFamily="34" charset="0"/>
+              </a:defRPr>
+            </a:lvl2pPr>
+            <a:lvl3pPr>
+              <a:tabLst>
+                <a:tab pos="0" algn="l"/>
+                <a:tab pos="447675" algn="l"/>
+                <a:tab pos="896938" algn="l"/>
+                <a:tab pos="1346200" algn="l"/>
+                <a:tab pos="1795463" algn="l"/>
+                <a:tab pos="2244725" algn="l"/>
+                <a:tab pos="2693988" algn="l"/>
+                <a:tab pos="3143250" algn="l"/>
+                <a:tab pos="3592513" algn="l"/>
+                <a:tab pos="4041775" algn="l"/>
+                <a:tab pos="4491038" algn="l"/>
+                <a:tab pos="4940300" algn="l"/>
+                <a:tab pos="5389563" algn="l"/>
+                <a:tab pos="5838825" algn="l"/>
+                <a:tab pos="6288088" algn="l"/>
+                <a:tab pos="6737350" algn="l"/>
+                <a:tab pos="7186613" algn="l"/>
+                <a:tab pos="7635875" algn="l"/>
+                <a:tab pos="8085138" algn="l"/>
+                <a:tab pos="8534400" algn="l"/>
+                <a:tab pos="8983663" algn="l"/>
+              </a:tabLst>
+              <a:defRPr>
+                <a:solidFill>
+                  <a:schemeClr val="bg1"/>
+                </a:solidFill>
+                <a:latin typeface="Arial" panose="020B0604020202020204" pitchFamily="34" charset="0"/>
+                <a:cs typeface="Arial" panose="020B0604020202020204" pitchFamily="34" charset="0"/>
+              </a:defRPr>
+            </a:lvl3pPr>
+            <a:lvl4pPr>
+              <a:tabLst>
+                <a:tab pos="0" algn="l"/>
+                <a:tab pos="447675" algn="l"/>
+                <a:tab pos="896938" algn="l"/>
+                <a:tab pos="1346200" algn="l"/>
+                <a:tab pos="1795463" algn="l"/>
+                <a:tab pos="2244725" algn="l"/>
+                <a:tab pos="2693988" algn="l"/>
+                <a:tab pos="3143250" algn="l"/>
+                <a:tab pos="3592513" algn="l"/>
+                <a:tab pos="4041775" algn="l"/>
+                <a:tab pos="4491038" algn="l"/>
+                <a:tab pos="4940300" algn="l"/>
+                <a:tab pos="5389563" algn="l"/>
+                <a:tab pos="5838825" algn="l"/>
+                <a:tab pos="6288088" algn="l"/>
+                <a:tab pos="6737350" algn="l"/>
+                <a:tab pos="7186613" algn="l"/>
+                <a:tab pos="7635875" algn="l"/>
+                <a:tab pos="8085138" algn="l"/>
+                <a:tab pos="8534400" algn="l"/>
+                <a:tab pos="8983663" algn="l"/>
+              </a:tabLst>
+              <a:defRPr>
+                <a:solidFill>
+                  <a:schemeClr val="bg1"/>
+                </a:solidFill>
+                <a:latin typeface="Arial" panose="020B0604020202020204" pitchFamily="34" charset="0"/>
+                <a:cs typeface="Arial" panose="020B0604020202020204" pitchFamily="34" charset="0"/>
+              </a:defRPr>
+            </a:lvl4pPr>
+            <a:lvl5pPr>
+              <a:tabLst>
+                <a:tab pos="0" algn="l"/>
+                <a:tab pos="447675" algn="l"/>
+                <a:tab pos="896938" algn="l"/>
+                <a:tab pos="1346200" algn="l"/>
+                <a:tab pos="1795463" algn="l"/>
+                <a:tab pos="2244725" algn="l"/>
+                <a:tab pos="2693988" algn="l"/>
+                <a:tab pos="3143250" algn="l"/>
+                <a:tab pos="3592513" algn="l"/>
+                <a:tab pos="4041775" algn="l"/>
+                <a:tab pos="4491038" algn="l"/>
+                <a:tab pos="4940300" algn="l"/>
+                <a:tab pos="5389563" algn="l"/>
+                <a:tab pos="5838825" algn="l"/>
+                <a:tab pos="6288088" algn="l"/>
+                <a:tab pos="6737350" algn="l"/>
+                <a:tab pos="7186613" algn="l"/>
+                <a:tab pos="7635875" algn="l"/>
+                <a:tab pos="8085138" algn="l"/>
+                <a:tab pos="8534400" algn="l"/>
+                <a:tab pos="8983663" algn="l"/>
+              </a:tabLst>
+              <a:defRPr>
+                <a:solidFill>
+                  <a:schemeClr val="bg1"/>
+                </a:solidFill>
+                <a:latin typeface="Arial" panose="020B0604020202020204" pitchFamily="34" charset="0"/>
+                <a:cs typeface="Arial" panose="020B0604020202020204" pitchFamily="34" charset="0"/>
+              </a:defRPr>
+            </a:lvl5pPr>
+            <a:lvl6pPr marL="2514600" indent="-228600" defTabSz="449263" eaLnBrk="0" fontAlgn="base" hangingPunct="0">
+              <a:spcBef>
+                <a:spcPct val="0"/>
+              </a:spcBef>
+              <a:spcAft>
+                <a:spcPct val="0"/>
+              </a:spcAft>
+              <a:tabLst>
+                <a:tab pos="0" algn="l"/>
+                <a:tab pos="447675" algn="l"/>
+                <a:tab pos="896938" algn="l"/>
+                <a:tab pos="1346200" algn="l"/>
+                <a:tab pos="1795463" algn="l"/>
+                <a:tab pos="2244725" algn="l"/>
+                <a:tab pos="2693988" algn="l"/>
+                <a:tab pos="3143250" algn="l"/>
+                <a:tab pos="3592513" algn="l"/>
+                <a:tab pos="4041775" algn="l"/>
+                <a:tab pos="4491038" algn="l"/>
+                <a:tab pos="4940300" algn="l"/>
+                <a:tab pos="5389563" algn="l"/>
+                <a:tab pos="5838825" algn="l"/>
+                <a:tab pos="6288088" algn="l"/>
+                <a:tab pos="6737350" algn="l"/>
+                <a:tab pos="7186613" algn="l"/>
+                <a:tab pos="7635875" algn="l"/>
+                <a:tab pos="8085138" algn="l"/>
+                <a:tab pos="8534400" algn="l"/>
+                <a:tab pos="8983663" algn="l"/>
+              </a:tabLst>
+              <a:defRPr>
+                <a:solidFill>
+                  <a:schemeClr val="bg1"/>
+                </a:solidFill>
+                <a:latin typeface="Arial" panose="020B0604020202020204" pitchFamily="34" charset="0"/>
+                <a:cs typeface="Arial" panose="020B0604020202020204" pitchFamily="34" charset="0"/>
+              </a:defRPr>
+            </a:lvl6pPr>
+            <a:lvl7pPr marL="2971800" indent="-228600" defTabSz="449263" eaLnBrk="0" fontAlgn="base" hangingPunct="0">
+              <a:spcBef>
+                <a:spcPct val="0"/>
+              </a:spcBef>
+              <a:spcAft>
+                <a:spcPct val="0"/>
+              </a:spcAft>
+              <a:tabLst>
+                <a:tab pos="0" algn="l"/>
+                <a:tab pos="447675" algn="l"/>
+                <a:tab pos="896938" algn="l"/>
+                <a:tab pos="1346200" algn="l"/>
+                <a:tab pos="1795463" algn="l"/>
+                <a:tab pos="2244725" algn="l"/>
+                <a:tab pos="2693988" algn="l"/>
+                <a:tab pos="3143250" algn="l"/>
+                <a:tab pos="3592513" algn="l"/>
+                <a:tab pos="4041775" algn="l"/>
+                <a:tab pos="4491038" algn="l"/>
+                <a:tab pos="4940300" algn="l"/>
+                <a:tab pos="5389563" algn="l"/>
+                <a:tab pos="5838825" algn="l"/>
+                <a:tab pos="6288088" algn="l"/>
+                <a:tab pos="6737350" algn="l"/>
+                <a:tab pos="7186613" algn="l"/>
+                <a:tab pos="7635875" algn="l"/>
+                <a:tab pos="8085138" algn="l"/>
+                <a:tab pos="8534400" algn="l"/>
+                <a:tab pos="8983663" algn="l"/>
+              </a:tabLst>
+              <a:defRPr>
+                <a:solidFill>
+                  <a:schemeClr val="bg1"/>
+                </a:solidFill>
+                <a:latin typeface="Arial" panose="020B0604020202020204" pitchFamily="34" charset="0"/>
+                <a:cs typeface="Arial" panose="020B0604020202020204" pitchFamily="34" charset="0"/>
+              </a:defRPr>
+            </a:lvl7pPr>
+            <a:lvl8pPr marL="3429000" indent="-228600" defTabSz="449263" eaLnBrk="0" fontAlgn="base" hangingPunct="0">
+              <a:spcBef>
+                <a:spcPct val="0"/>
+              </a:spcBef>
+              <a:spcAft>
+                <a:spcPct val="0"/>
+              </a:spcAft>
+              <a:tabLst>
+                <a:tab pos="0" algn="l"/>
+                <a:tab pos="447675" algn="l"/>
+                <a:tab pos="896938" algn="l"/>
+                <a:tab pos="1346200" algn="l"/>
+                <a:tab pos="1795463" algn="l"/>
+                <a:tab pos="2244725" algn="l"/>
+                <a:tab pos="2693988" algn="l"/>
+                <a:tab pos="3143250" algn="l"/>
+                <a:tab pos="3592513" algn="l"/>
+                <a:tab pos="4041775" algn="l"/>
+                <a:tab pos="4491038" algn="l"/>
+                <a:tab pos="4940300" algn="l"/>
+                <a:tab pos="5389563" algn="l"/>
+                <a:tab pos="5838825" algn="l"/>
+                <a:tab pos="6288088" algn="l"/>
+                <a:tab pos="6737350" algn="l"/>
+                <a:tab pos="7186613" algn="l"/>
+                <a:tab pos="7635875" algn="l"/>
+                <a:tab pos="8085138" algn="l"/>
+                <a:tab pos="8534400" algn="l"/>
+                <a:tab pos="8983663" algn="l"/>
+              </a:tabLst>
+              <a:defRPr>
+                <a:solidFill>
+                  <a:schemeClr val="bg1"/>
+                </a:solidFill>
+                <a:latin typeface="Arial" panose="020B0604020202020204" pitchFamily="34" charset="0"/>
+                <a:cs typeface="Arial" panose="020B0604020202020204" pitchFamily="34" charset="0"/>
+              </a:defRPr>
+            </a:lvl8pPr>
+            <a:lvl9pPr marL="3886200" indent="-228600" defTabSz="449263" eaLnBrk="0" fontAlgn="base" hangingPunct="0">
+              <a:spcBef>
+                <a:spcPct val="0"/>
+              </a:spcBef>
+              <a:spcAft>
+                <a:spcPct val="0"/>
+              </a:spcAft>
+              <a:tabLst>
+                <a:tab pos="0" algn="l"/>
+                <a:tab pos="447675" algn="l"/>
+                <a:tab pos="896938" algn="l"/>
+                <a:tab pos="1346200" algn="l"/>
+                <a:tab pos="1795463" algn="l"/>
+                <a:tab pos="2244725" algn="l"/>
+                <a:tab pos="2693988" algn="l"/>
+                <a:tab pos="3143250" algn="l"/>
+                <a:tab pos="3592513" algn="l"/>
+                <a:tab pos="4041775" algn="l"/>
+                <a:tab pos="4491038" algn="l"/>
+                <a:tab pos="4940300" algn="l"/>
+                <a:tab pos="5389563" algn="l"/>
+                <a:tab pos="5838825" algn="l"/>
+                <a:tab pos="6288088" algn="l"/>
+                <a:tab pos="6737350" algn="l"/>
+                <a:tab pos="7186613" algn="l"/>
+                <a:tab pos="7635875" algn="l"/>
+                <a:tab pos="8085138" algn="l"/>
+                <a:tab pos="8534400" algn="l"/>
+                <a:tab pos="8983663" algn="l"/>
+              </a:tabLst>
+              <a:defRPr>
+                <a:solidFill>
+                  <a:schemeClr val="bg1"/>
+                </a:solidFill>
+                <a:latin typeface="Arial" panose="020B0604020202020204" pitchFamily="34" charset="0"/>
+                <a:cs typeface="Arial" panose="020B0604020202020204" pitchFamily="34" charset="0"/>
+              </a:defRPr>
+            </a:lvl9pPr>
+          </a:lstStyle>
+          <a:p>
+            <a:pPr algn="ctr"/>
+            <a:r>
+              <a:rPr lang="es-ES" sz="2600" b="1" dirty="0">
+                <a:solidFill>
+                  <a:schemeClr val="tx1"/>
+                </a:solidFill>
+                <a:effectLst/>
+                <a:ea typeface="Calibri" panose="020F0502020204030204" pitchFamily="34" charset="0"/>
+              </a:rPr>
+              <a:t>Herramienta digital para la creación de Asistentes Virtuales y  su base de conocimiento de forma automática</a:t>
+            </a:r>
+          </a:p>
+          <a:p>
+            <a:pPr algn="ctr"/>
+            <a:endParaRPr lang="es-ES" sz="2600" b="1" dirty="0">
+              <a:solidFill>
+                <a:schemeClr val="tx1"/>
+              </a:solidFill>
+            </a:endParaRPr>
+          </a:p>
+          <a:p>
+            <a:pPr eaLnBrk="1" hangingPunct="1">
+              <a:buSzPct val="100000"/>
+            </a:pPr>
+            <a:endParaRPr lang="es-ES" altLang="es-MX" sz="2800" b="1" dirty="0">
+              <a:solidFill>
+                <a:srgbClr val="000000"/>
+              </a:solidFill>
+              <a:latin typeface="Calibri" panose="020F0502020204030204" pitchFamily="34" charset="0"/>
+            </a:endParaRPr>
+          </a:p>
+        </p:txBody>
+      </p:sp>
+      <p:sp>
+        <p:nvSpPr>
+          <p:cNvPr id="2" name="CuadroTexto 1">
+            <a:extLst>
+              <a:ext uri="{FF2B5EF4-FFF2-40B4-BE49-F238E27FC236}">
+                <a16:creationId xmlns:a16="http://schemas.microsoft.com/office/drawing/2014/main" id="{34929A58-3F91-74DA-6F65-147BB2BDD97E}"/>
+              </a:ext>
+            </a:extLst>
+          </p:cNvPr>
+          <p:cNvSpPr txBox="1"/>
+          <p:nvPr/>
+        </p:nvSpPr>
+        <p:spPr>
+          <a:xfrm>
+            <a:off x="5342220" y="4384004"/>
+            <a:ext cx="5676439" cy="2523768"/>
+          </a:xfrm>
+          <a:prstGeom prst="rect">
+            <a:avLst/>
+          </a:prstGeom>
+          <a:noFill/>
+        </p:spPr>
+        <p:txBody>
+          <a:bodyPr wrap="square">
+            <a:spAutoFit/>
+          </a:bodyPr>
+          <a:lstStyle/>
+          <a:p>
+            <a:pPr algn="ctr"/>
+            <a:r>
+              <a:rPr lang="es-ES" sz="2600" b="1" dirty="0">
+                <a:latin typeface="Calibri" panose="020F0502020204030204" pitchFamily="34" charset="0"/>
+                <a:cs typeface="Calibri" panose="020F0502020204030204" pitchFamily="34" charset="0"/>
+              </a:rPr>
+              <a:t>Autor</a:t>
+            </a:r>
+          </a:p>
+          <a:p>
+            <a:pPr algn="ctr"/>
+            <a:r>
+              <a:rPr lang="es-ES" sz="2600" b="1" dirty="0">
+                <a:latin typeface="Calibri" panose="020F0502020204030204" pitchFamily="34" charset="0"/>
+                <a:cs typeface="Calibri" panose="020F0502020204030204" pitchFamily="34" charset="0"/>
+              </a:rPr>
+              <a:t>Jorge Ernesto Duvalón Hernández</a:t>
+            </a:r>
+          </a:p>
+          <a:p>
+            <a:pPr algn="ctr"/>
+            <a:endParaRPr lang="es-ES" sz="2600" b="1" dirty="0">
+              <a:latin typeface="Calibri" panose="020F0502020204030204" pitchFamily="34" charset="0"/>
+              <a:cs typeface="Calibri" panose="020F0502020204030204" pitchFamily="34" charset="0"/>
+            </a:endParaRPr>
+          </a:p>
+          <a:p>
+            <a:pPr algn="ctr"/>
+            <a:r>
+              <a:rPr lang="es-ES" sz="2600" b="1" dirty="0">
+                <a:latin typeface="Calibri" panose="020F0502020204030204" pitchFamily="34" charset="0"/>
+                <a:cs typeface="Calibri" panose="020F0502020204030204" pitchFamily="34" charset="0"/>
+              </a:rPr>
+              <a:t>Tutor </a:t>
+            </a:r>
+          </a:p>
+          <a:p>
+            <a:pPr algn="ctr"/>
+            <a:r>
+              <a:rPr lang="es-ES" sz="2600" b="1" dirty="0" err="1">
+                <a:latin typeface="Calibri" panose="020F0502020204030204" pitchFamily="34" charset="0"/>
+                <a:cs typeface="Calibri" panose="020F0502020204030204" pitchFamily="34" charset="0"/>
+              </a:rPr>
+              <a:t>Dionis</a:t>
+            </a:r>
+            <a:r>
+              <a:rPr lang="es-ES" sz="2600" b="1" dirty="0">
+                <a:latin typeface="Calibri" panose="020F0502020204030204" pitchFamily="34" charset="0"/>
+                <a:cs typeface="Calibri" panose="020F0502020204030204" pitchFamily="34" charset="0"/>
+              </a:rPr>
+              <a:t> López Ramos</a:t>
+            </a:r>
+          </a:p>
+          <a:p>
+            <a:pPr algn="ctr"/>
+            <a:endParaRPr lang="es-ES" sz="2800" b="1" dirty="0">
+              <a:latin typeface="Calibri" panose="020F0502020204030204" pitchFamily="34" charset="0"/>
+              <a:cs typeface="Calibri" panose="020F0502020204030204" pitchFamily="34" charset="0"/>
+            </a:endParaRPr>
+          </a:p>
+        </p:txBody>
+      </p:sp>
+    </p:spTree>
+    <p:extLst>
+      <p:ext uri="{BB962C8B-B14F-4D97-AF65-F5344CB8AC3E}">
+        <p14:creationId xmlns:p14="http://schemas.microsoft.com/office/powerpoint/2010/main" val="1355644756"/>
+      </p:ext>
+    </p:extLst>
+  </p:cSld>
+  <p:clrMapOvr>
+    <a:masterClrMapping/>
+  </p:clrMapOvr>
+  <p:transition spd="med"/>
+  <p:timing>
+    <p:tnLst>
+      <p:par>
+        <p:cTn id="1" dur="indefinite" restart="never" nodeType="tmRoot">
+          <p:childTnLst>
+            <p:seq concurrent="1" nextAc="seek">
+              <p:cTn id="2" dur="indefinite" nodeType="mainSeq"/>
+              <p:prevCondLst>
+                <p:cond evt="onPrev" delay="0">
+                  <p:tgtEl>
+                    <p:sldTgt/>
+                  </p:tgtEl>
+                </p:cond>
+              </p:prevCondLst>
+              <p:nextCondLst>
+                <p:cond evt="onNext" delay="0">
+                  <p:tgtEl>
+                    <p:sldTgt/>
                   </p:tgtEl>
                 </p:cond>
               </p:nextCondLst>
@@ -10344,710 +11298,6 @@
 </p:sld>
 </file>
 
-<file path=ppt/slides/slide20.xml><?xml version="1.0" encoding="utf-8"?>
-<p:sld xmlns:a="http://schemas.openxmlformats.org/drawingml/2006/main" xmlns:r="http://schemas.openxmlformats.org/officeDocument/2006/relationships" xmlns:p="http://schemas.openxmlformats.org/presentationml/2006/main">
-  <p:cSld>
-    <p:spTree>
-      <p:nvGrpSpPr>
-        <p:cNvPr id="1" name=""/>
-        <p:cNvGrpSpPr/>
-        <p:nvPr/>
-      </p:nvGrpSpPr>
-      <p:grpSpPr>
-        <a:xfrm>
-          <a:off x="0" y="0"/>
-          <a:ext cx="0" cy="0"/>
-          <a:chOff x="0" y="0"/>
-          <a:chExt cx="0" cy="0"/>
-        </a:xfrm>
-      </p:grpSpPr>
-      <p:pic>
-        <p:nvPicPr>
-          <p:cNvPr id="3074" name="Picture 1">
-            <a:extLst>
-              <a:ext uri="{FF2B5EF4-FFF2-40B4-BE49-F238E27FC236}">
-                <a16:creationId xmlns:a16="http://schemas.microsoft.com/office/drawing/2014/main" id="{9DC66159-C388-4239-B779-8B52EB223B9F}"/>
-              </a:ext>
-            </a:extLst>
-          </p:cNvPr>
-          <p:cNvPicPr>
-            <a:picLocks noChangeAspect="1" noChangeArrowheads="1"/>
-          </p:cNvPicPr>
-          <p:nvPr/>
-        </p:nvPicPr>
-        <p:blipFill>
-          <a:blip r:embed="rId3">
-            <a:extLst>
-              <a:ext uri="{28A0092B-C50C-407E-A947-70E740481C1C}">
-                <a14:useLocalDpi xmlns:a14="http://schemas.microsoft.com/office/drawing/2010/main" val="0"/>
-              </a:ext>
-            </a:extLst>
-          </a:blip>
-          <a:srcRect/>
-          <a:stretch>
-            <a:fillRect/>
-          </a:stretch>
-        </p:blipFill>
-        <p:spPr bwMode="auto">
-          <a:xfrm>
-            <a:off x="0" y="0"/>
-            <a:ext cx="4011562" cy="6858000"/>
-          </a:xfrm>
-          <a:prstGeom prst="rect">
-            <a:avLst/>
-          </a:prstGeom>
-          <a:noFill/>
-          <a:ln>
-            <a:noFill/>
-          </a:ln>
-          <a:effectLst/>
-          <a:extLst>
-            <a:ext uri="{909E8E84-426E-40DD-AFC4-6F175D3DCCD1}">
-              <a14:hiddenFill xmlns:a14="http://schemas.microsoft.com/office/drawing/2010/main">
-                <a:blipFill dpi="0" rotWithShape="0">
-                  <a:blip/>
-                  <a:srcRect/>
-                  <a:stretch>
-                    <a:fillRect/>
-                  </a:stretch>
-                </a:blipFill>
-              </a14:hiddenFill>
-            </a:ext>
-            <a:ext uri="{91240B29-F687-4F45-9708-019B960494DF}">
-              <a14:hiddenLine xmlns:a14="http://schemas.microsoft.com/office/drawing/2010/main" w="9525">
-                <a:solidFill>
-                  <a:srgbClr val="3465A4"/>
-                </a:solidFill>
-                <a:round/>
-                <a:headEnd/>
-                <a:tailEnd/>
-              </a14:hiddenLine>
-            </a:ext>
-            <a:ext uri="{AF507438-7753-43E0-B8FC-AC1667EBCBE1}">
-              <a14:hiddenEffects xmlns:a14="http://schemas.microsoft.com/office/drawing/2010/main">
-                <a:effectLst>
-                  <a:outerShdw dist="35921" dir="2700000" algn="ctr" rotWithShape="0">
-                    <a:srgbClr val="808080"/>
-                  </a:outerShdw>
-                </a:effectLst>
-              </a14:hiddenEffects>
-            </a:ext>
-          </a:extLst>
-        </p:spPr>
-      </p:pic>
-      <p:pic>
-        <p:nvPicPr>
-          <p:cNvPr id="3075" name="Picture 2">
-            <a:extLst>
-              <a:ext uri="{FF2B5EF4-FFF2-40B4-BE49-F238E27FC236}">
-                <a16:creationId xmlns:a16="http://schemas.microsoft.com/office/drawing/2014/main" id="{88495DEA-FEBE-4103-85AD-41859F53FD35}"/>
-              </a:ext>
-            </a:extLst>
-          </p:cNvPr>
-          <p:cNvPicPr>
-            <a:picLocks noChangeAspect="1" noChangeArrowheads="1"/>
-          </p:cNvPicPr>
-          <p:nvPr/>
-        </p:nvPicPr>
-        <p:blipFill>
-          <a:blip r:embed="rId4">
-            <a:extLst>
-              <a:ext uri="{28A0092B-C50C-407E-A947-70E740481C1C}">
-                <a14:useLocalDpi xmlns:a14="http://schemas.microsoft.com/office/drawing/2010/main" val="0"/>
-              </a:ext>
-            </a:extLst>
-          </a:blip>
-          <a:srcRect/>
-          <a:stretch>
-            <a:fillRect/>
-          </a:stretch>
-        </p:blipFill>
-        <p:spPr bwMode="auto">
-          <a:xfrm>
-            <a:off x="6931818" y="547016"/>
-            <a:ext cx="2328863" cy="625475"/>
-          </a:xfrm>
-          <a:prstGeom prst="rect">
-            <a:avLst/>
-          </a:prstGeom>
-          <a:noFill/>
-          <a:ln>
-            <a:noFill/>
-          </a:ln>
-          <a:effectLst/>
-          <a:extLst>
-            <a:ext uri="{909E8E84-426E-40DD-AFC4-6F175D3DCCD1}">
-              <a14:hiddenFill xmlns:a14="http://schemas.microsoft.com/office/drawing/2010/main">
-                <a:blipFill dpi="0" rotWithShape="0">
-                  <a:blip/>
-                  <a:srcRect/>
-                  <a:stretch>
-                    <a:fillRect/>
-                  </a:stretch>
-                </a:blipFill>
-              </a14:hiddenFill>
-            </a:ext>
-            <a:ext uri="{91240B29-F687-4F45-9708-019B960494DF}">
-              <a14:hiddenLine xmlns:a14="http://schemas.microsoft.com/office/drawing/2010/main" w="9525">
-                <a:solidFill>
-                  <a:srgbClr val="3465A4"/>
-                </a:solidFill>
-                <a:round/>
-                <a:headEnd/>
-                <a:tailEnd/>
-              </a14:hiddenLine>
-            </a:ext>
-            <a:ext uri="{AF507438-7753-43E0-B8FC-AC1667EBCBE1}">
-              <a14:hiddenEffects xmlns:a14="http://schemas.microsoft.com/office/drawing/2010/main">
-                <a:effectLst>
-                  <a:outerShdw dist="35921" dir="2700000" algn="ctr" rotWithShape="0">
-                    <a:srgbClr val="808080"/>
-                  </a:outerShdw>
-                </a:effectLst>
-              </a14:hiddenEffects>
-            </a:ext>
-          </a:extLst>
-        </p:spPr>
-      </p:pic>
-      <p:sp>
-        <p:nvSpPr>
-          <p:cNvPr id="3076" name="Text Box 3">
-            <a:extLst>
-              <a:ext uri="{FF2B5EF4-FFF2-40B4-BE49-F238E27FC236}">
-                <a16:creationId xmlns:a16="http://schemas.microsoft.com/office/drawing/2014/main" id="{E1923479-41EA-4291-AA4D-9AA7710E0BC2}"/>
-              </a:ext>
-            </a:extLst>
-          </p:cNvPr>
-          <p:cNvSpPr txBox="1">
-            <a:spLocks noChangeArrowheads="1"/>
-          </p:cNvSpPr>
-          <p:nvPr/>
-        </p:nvSpPr>
-        <p:spPr bwMode="auto">
-          <a:xfrm>
-            <a:off x="5342220" y="1738158"/>
-            <a:ext cx="5676439" cy="2525949"/>
-          </a:xfrm>
-          <a:prstGeom prst="rect">
-            <a:avLst/>
-          </a:prstGeom>
-          <a:noFill/>
-          <a:ln>
-            <a:noFill/>
-          </a:ln>
-          <a:effectLst/>
-          <a:extLst>
-            <a:ext uri="{909E8E84-426E-40DD-AFC4-6F175D3DCCD1}">
-              <a14:hiddenFill xmlns:a14="http://schemas.microsoft.com/office/drawing/2010/main">
-                <a:solidFill>
-                  <a:srgbClr val="FFFFFF"/>
-                </a:solidFill>
-              </a14:hiddenFill>
-            </a:ext>
-            <a:ext uri="{91240B29-F687-4F45-9708-019B960494DF}">
-              <a14:hiddenLine xmlns:a14="http://schemas.microsoft.com/office/drawing/2010/main" w="9525">
-                <a:solidFill>
-                  <a:srgbClr val="3465A4"/>
-                </a:solidFill>
-                <a:round/>
-                <a:headEnd/>
-                <a:tailEnd/>
-              </a14:hiddenLine>
-            </a:ext>
-            <a:ext uri="{AF507438-7753-43E0-B8FC-AC1667EBCBE1}">
-              <a14:hiddenEffects xmlns:a14="http://schemas.microsoft.com/office/drawing/2010/main">
-                <a:effectLst>
-                  <a:outerShdw dist="35921" dir="2700000" algn="ctr" rotWithShape="0">
-                    <a:srgbClr val="808080"/>
-                  </a:outerShdw>
-                </a:effectLst>
-              </a14:hiddenEffects>
-            </a:ext>
-          </a:extLst>
-        </p:spPr>
-        <p:txBody>
-          <a:bodyPr wrap="square" lIns="90000" tIns="46800" rIns="90000" bIns="46800">
-            <a:spAutoFit/>
-          </a:bodyPr>
-          <a:lstStyle>
-            <a:lvl1pPr>
-              <a:tabLst>
-                <a:tab pos="0" algn="l"/>
-                <a:tab pos="447675" algn="l"/>
-                <a:tab pos="896938" algn="l"/>
-                <a:tab pos="1346200" algn="l"/>
-                <a:tab pos="1795463" algn="l"/>
-                <a:tab pos="2244725" algn="l"/>
-                <a:tab pos="2693988" algn="l"/>
-                <a:tab pos="3143250" algn="l"/>
-                <a:tab pos="3592513" algn="l"/>
-                <a:tab pos="4041775" algn="l"/>
-                <a:tab pos="4491038" algn="l"/>
-                <a:tab pos="4940300" algn="l"/>
-                <a:tab pos="5389563" algn="l"/>
-                <a:tab pos="5838825" algn="l"/>
-                <a:tab pos="6288088" algn="l"/>
-                <a:tab pos="6737350" algn="l"/>
-                <a:tab pos="7186613" algn="l"/>
-                <a:tab pos="7635875" algn="l"/>
-                <a:tab pos="8085138" algn="l"/>
-                <a:tab pos="8534400" algn="l"/>
-                <a:tab pos="8983663" algn="l"/>
-              </a:tabLst>
-              <a:defRPr>
-                <a:solidFill>
-                  <a:schemeClr val="bg1"/>
-                </a:solidFill>
-                <a:latin typeface="Arial" panose="020B0604020202020204" pitchFamily="34" charset="0"/>
-                <a:cs typeface="Arial" panose="020B0604020202020204" pitchFamily="34" charset="0"/>
-              </a:defRPr>
-            </a:lvl1pPr>
-            <a:lvl2pPr>
-              <a:tabLst>
-                <a:tab pos="0" algn="l"/>
-                <a:tab pos="447675" algn="l"/>
-                <a:tab pos="896938" algn="l"/>
-                <a:tab pos="1346200" algn="l"/>
-                <a:tab pos="1795463" algn="l"/>
-                <a:tab pos="2244725" algn="l"/>
-                <a:tab pos="2693988" algn="l"/>
-                <a:tab pos="3143250" algn="l"/>
-                <a:tab pos="3592513" algn="l"/>
-                <a:tab pos="4041775" algn="l"/>
-                <a:tab pos="4491038" algn="l"/>
-                <a:tab pos="4940300" algn="l"/>
-                <a:tab pos="5389563" algn="l"/>
-                <a:tab pos="5838825" algn="l"/>
-                <a:tab pos="6288088" algn="l"/>
-                <a:tab pos="6737350" algn="l"/>
-                <a:tab pos="7186613" algn="l"/>
-                <a:tab pos="7635875" algn="l"/>
-                <a:tab pos="8085138" algn="l"/>
-                <a:tab pos="8534400" algn="l"/>
-                <a:tab pos="8983663" algn="l"/>
-              </a:tabLst>
-              <a:defRPr>
-                <a:solidFill>
-                  <a:schemeClr val="bg1"/>
-                </a:solidFill>
-                <a:latin typeface="Arial" panose="020B0604020202020204" pitchFamily="34" charset="0"/>
-                <a:cs typeface="Arial" panose="020B0604020202020204" pitchFamily="34" charset="0"/>
-              </a:defRPr>
-            </a:lvl2pPr>
-            <a:lvl3pPr>
-              <a:tabLst>
-                <a:tab pos="0" algn="l"/>
-                <a:tab pos="447675" algn="l"/>
-                <a:tab pos="896938" algn="l"/>
-                <a:tab pos="1346200" algn="l"/>
-                <a:tab pos="1795463" algn="l"/>
-                <a:tab pos="2244725" algn="l"/>
-                <a:tab pos="2693988" algn="l"/>
-                <a:tab pos="3143250" algn="l"/>
-                <a:tab pos="3592513" algn="l"/>
-                <a:tab pos="4041775" algn="l"/>
-                <a:tab pos="4491038" algn="l"/>
-                <a:tab pos="4940300" algn="l"/>
-                <a:tab pos="5389563" algn="l"/>
-                <a:tab pos="5838825" algn="l"/>
-                <a:tab pos="6288088" algn="l"/>
-                <a:tab pos="6737350" algn="l"/>
-                <a:tab pos="7186613" algn="l"/>
-                <a:tab pos="7635875" algn="l"/>
-                <a:tab pos="8085138" algn="l"/>
-                <a:tab pos="8534400" algn="l"/>
-                <a:tab pos="8983663" algn="l"/>
-              </a:tabLst>
-              <a:defRPr>
-                <a:solidFill>
-                  <a:schemeClr val="bg1"/>
-                </a:solidFill>
-                <a:latin typeface="Arial" panose="020B0604020202020204" pitchFamily="34" charset="0"/>
-                <a:cs typeface="Arial" panose="020B0604020202020204" pitchFamily="34" charset="0"/>
-              </a:defRPr>
-            </a:lvl3pPr>
-            <a:lvl4pPr>
-              <a:tabLst>
-                <a:tab pos="0" algn="l"/>
-                <a:tab pos="447675" algn="l"/>
-                <a:tab pos="896938" algn="l"/>
-                <a:tab pos="1346200" algn="l"/>
-                <a:tab pos="1795463" algn="l"/>
-                <a:tab pos="2244725" algn="l"/>
-                <a:tab pos="2693988" algn="l"/>
-                <a:tab pos="3143250" algn="l"/>
-                <a:tab pos="3592513" algn="l"/>
-                <a:tab pos="4041775" algn="l"/>
-                <a:tab pos="4491038" algn="l"/>
-                <a:tab pos="4940300" algn="l"/>
-                <a:tab pos="5389563" algn="l"/>
-                <a:tab pos="5838825" algn="l"/>
-                <a:tab pos="6288088" algn="l"/>
-                <a:tab pos="6737350" algn="l"/>
-                <a:tab pos="7186613" algn="l"/>
-                <a:tab pos="7635875" algn="l"/>
-                <a:tab pos="8085138" algn="l"/>
-                <a:tab pos="8534400" algn="l"/>
-                <a:tab pos="8983663" algn="l"/>
-              </a:tabLst>
-              <a:defRPr>
-                <a:solidFill>
-                  <a:schemeClr val="bg1"/>
-                </a:solidFill>
-                <a:latin typeface="Arial" panose="020B0604020202020204" pitchFamily="34" charset="0"/>
-                <a:cs typeface="Arial" panose="020B0604020202020204" pitchFamily="34" charset="0"/>
-              </a:defRPr>
-            </a:lvl4pPr>
-            <a:lvl5pPr>
-              <a:tabLst>
-                <a:tab pos="0" algn="l"/>
-                <a:tab pos="447675" algn="l"/>
-                <a:tab pos="896938" algn="l"/>
-                <a:tab pos="1346200" algn="l"/>
-                <a:tab pos="1795463" algn="l"/>
-                <a:tab pos="2244725" algn="l"/>
-                <a:tab pos="2693988" algn="l"/>
-                <a:tab pos="3143250" algn="l"/>
-                <a:tab pos="3592513" algn="l"/>
-                <a:tab pos="4041775" algn="l"/>
-                <a:tab pos="4491038" algn="l"/>
-                <a:tab pos="4940300" algn="l"/>
-                <a:tab pos="5389563" algn="l"/>
-                <a:tab pos="5838825" algn="l"/>
-                <a:tab pos="6288088" algn="l"/>
-                <a:tab pos="6737350" algn="l"/>
-                <a:tab pos="7186613" algn="l"/>
-                <a:tab pos="7635875" algn="l"/>
-                <a:tab pos="8085138" algn="l"/>
-                <a:tab pos="8534400" algn="l"/>
-                <a:tab pos="8983663" algn="l"/>
-              </a:tabLst>
-              <a:defRPr>
-                <a:solidFill>
-                  <a:schemeClr val="bg1"/>
-                </a:solidFill>
-                <a:latin typeface="Arial" panose="020B0604020202020204" pitchFamily="34" charset="0"/>
-                <a:cs typeface="Arial" panose="020B0604020202020204" pitchFamily="34" charset="0"/>
-              </a:defRPr>
-            </a:lvl5pPr>
-            <a:lvl6pPr marL="2514600" indent="-228600" defTabSz="449263" eaLnBrk="0" fontAlgn="base" hangingPunct="0">
-              <a:spcBef>
-                <a:spcPct val="0"/>
-              </a:spcBef>
-              <a:spcAft>
-                <a:spcPct val="0"/>
-              </a:spcAft>
-              <a:tabLst>
-                <a:tab pos="0" algn="l"/>
-                <a:tab pos="447675" algn="l"/>
-                <a:tab pos="896938" algn="l"/>
-                <a:tab pos="1346200" algn="l"/>
-                <a:tab pos="1795463" algn="l"/>
-                <a:tab pos="2244725" algn="l"/>
-                <a:tab pos="2693988" algn="l"/>
-                <a:tab pos="3143250" algn="l"/>
-                <a:tab pos="3592513" algn="l"/>
-                <a:tab pos="4041775" algn="l"/>
-                <a:tab pos="4491038" algn="l"/>
-                <a:tab pos="4940300" algn="l"/>
-                <a:tab pos="5389563" algn="l"/>
-                <a:tab pos="5838825" algn="l"/>
-                <a:tab pos="6288088" algn="l"/>
-                <a:tab pos="6737350" algn="l"/>
-                <a:tab pos="7186613" algn="l"/>
-                <a:tab pos="7635875" algn="l"/>
-                <a:tab pos="8085138" algn="l"/>
-                <a:tab pos="8534400" algn="l"/>
-                <a:tab pos="8983663" algn="l"/>
-              </a:tabLst>
-              <a:defRPr>
-                <a:solidFill>
-                  <a:schemeClr val="bg1"/>
-                </a:solidFill>
-                <a:latin typeface="Arial" panose="020B0604020202020204" pitchFamily="34" charset="0"/>
-                <a:cs typeface="Arial" panose="020B0604020202020204" pitchFamily="34" charset="0"/>
-              </a:defRPr>
-            </a:lvl6pPr>
-            <a:lvl7pPr marL="2971800" indent="-228600" defTabSz="449263" eaLnBrk="0" fontAlgn="base" hangingPunct="0">
-              <a:spcBef>
-                <a:spcPct val="0"/>
-              </a:spcBef>
-              <a:spcAft>
-                <a:spcPct val="0"/>
-              </a:spcAft>
-              <a:tabLst>
-                <a:tab pos="0" algn="l"/>
-                <a:tab pos="447675" algn="l"/>
-                <a:tab pos="896938" algn="l"/>
-                <a:tab pos="1346200" algn="l"/>
-                <a:tab pos="1795463" algn="l"/>
-                <a:tab pos="2244725" algn="l"/>
-                <a:tab pos="2693988" algn="l"/>
-                <a:tab pos="3143250" algn="l"/>
-                <a:tab pos="3592513" algn="l"/>
-                <a:tab pos="4041775" algn="l"/>
-                <a:tab pos="4491038" algn="l"/>
-                <a:tab pos="4940300" algn="l"/>
-                <a:tab pos="5389563" algn="l"/>
-                <a:tab pos="5838825" algn="l"/>
-                <a:tab pos="6288088" algn="l"/>
-                <a:tab pos="6737350" algn="l"/>
-                <a:tab pos="7186613" algn="l"/>
-                <a:tab pos="7635875" algn="l"/>
-                <a:tab pos="8085138" algn="l"/>
-                <a:tab pos="8534400" algn="l"/>
-                <a:tab pos="8983663" algn="l"/>
-              </a:tabLst>
-              <a:defRPr>
-                <a:solidFill>
-                  <a:schemeClr val="bg1"/>
-                </a:solidFill>
-                <a:latin typeface="Arial" panose="020B0604020202020204" pitchFamily="34" charset="0"/>
-                <a:cs typeface="Arial" panose="020B0604020202020204" pitchFamily="34" charset="0"/>
-              </a:defRPr>
-            </a:lvl7pPr>
-            <a:lvl8pPr marL="3429000" indent="-228600" defTabSz="449263" eaLnBrk="0" fontAlgn="base" hangingPunct="0">
-              <a:spcBef>
-                <a:spcPct val="0"/>
-              </a:spcBef>
-              <a:spcAft>
-                <a:spcPct val="0"/>
-              </a:spcAft>
-              <a:tabLst>
-                <a:tab pos="0" algn="l"/>
-                <a:tab pos="447675" algn="l"/>
-                <a:tab pos="896938" algn="l"/>
-                <a:tab pos="1346200" algn="l"/>
-                <a:tab pos="1795463" algn="l"/>
-                <a:tab pos="2244725" algn="l"/>
-                <a:tab pos="2693988" algn="l"/>
-                <a:tab pos="3143250" algn="l"/>
-                <a:tab pos="3592513" algn="l"/>
-                <a:tab pos="4041775" algn="l"/>
-                <a:tab pos="4491038" algn="l"/>
-                <a:tab pos="4940300" algn="l"/>
-                <a:tab pos="5389563" algn="l"/>
-                <a:tab pos="5838825" algn="l"/>
-                <a:tab pos="6288088" algn="l"/>
-                <a:tab pos="6737350" algn="l"/>
-                <a:tab pos="7186613" algn="l"/>
-                <a:tab pos="7635875" algn="l"/>
-                <a:tab pos="8085138" algn="l"/>
-                <a:tab pos="8534400" algn="l"/>
-                <a:tab pos="8983663" algn="l"/>
-              </a:tabLst>
-              <a:defRPr>
-                <a:solidFill>
-                  <a:schemeClr val="bg1"/>
-                </a:solidFill>
-                <a:latin typeface="Arial" panose="020B0604020202020204" pitchFamily="34" charset="0"/>
-                <a:cs typeface="Arial" panose="020B0604020202020204" pitchFamily="34" charset="0"/>
-              </a:defRPr>
-            </a:lvl8pPr>
-            <a:lvl9pPr marL="3886200" indent="-228600" defTabSz="449263" eaLnBrk="0" fontAlgn="base" hangingPunct="0">
-              <a:spcBef>
-                <a:spcPct val="0"/>
-              </a:spcBef>
-              <a:spcAft>
-                <a:spcPct val="0"/>
-              </a:spcAft>
-              <a:tabLst>
-                <a:tab pos="0" algn="l"/>
-                <a:tab pos="447675" algn="l"/>
-                <a:tab pos="896938" algn="l"/>
-                <a:tab pos="1346200" algn="l"/>
-                <a:tab pos="1795463" algn="l"/>
-                <a:tab pos="2244725" algn="l"/>
-                <a:tab pos="2693988" algn="l"/>
-                <a:tab pos="3143250" algn="l"/>
-                <a:tab pos="3592513" algn="l"/>
-                <a:tab pos="4041775" algn="l"/>
-                <a:tab pos="4491038" algn="l"/>
-                <a:tab pos="4940300" algn="l"/>
-                <a:tab pos="5389563" algn="l"/>
-                <a:tab pos="5838825" algn="l"/>
-                <a:tab pos="6288088" algn="l"/>
-                <a:tab pos="6737350" algn="l"/>
-                <a:tab pos="7186613" algn="l"/>
-                <a:tab pos="7635875" algn="l"/>
-                <a:tab pos="8085138" algn="l"/>
-                <a:tab pos="8534400" algn="l"/>
-                <a:tab pos="8983663" algn="l"/>
-              </a:tabLst>
-              <a:defRPr>
-                <a:solidFill>
-                  <a:schemeClr val="bg1"/>
-                </a:solidFill>
-                <a:latin typeface="Arial" panose="020B0604020202020204" pitchFamily="34" charset="0"/>
-                <a:cs typeface="Arial" panose="020B0604020202020204" pitchFamily="34" charset="0"/>
-              </a:defRPr>
-            </a:lvl9pPr>
-          </a:lstStyle>
-          <a:p>
-            <a:pPr algn="ctr"/>
-            <a:r>
-              <a:rPr lang="es-ES" sz="2600" b="1" dirty="0">
-                <a:solidFill>
-                  <a:schemeClr val="tx1"/>
-                </a:solidFill>
-                <a:effectLst/>
-                <a:ea typeface="Calibri" panose="020F0502020204030204" pitchFamily="34" charset="0"/>
-              </a:rPr>
-              <a:t>Herramienta digital para la creación de Asistentes Virtuales y  su base de conocimiento de forma automática</a:t>
-            </a:r>
-          </a:p>
-          <a:p>
-            <a:pPr algn="ctr"/>
-            <a:endParaRPr lang="es-ES" sz="2600" b="1" dirty="0">
-              <a:solidFill>
-                <a:schemeClr val="tx1"/>
-              </a:solidFill>
-            </a:endParaRPr>
-          </a:p>
-          <a:p>
-            <a:pPr eaLnBrk="1" hangingPunct="1">
-              <a:buSzPct val="100000"/>
-            </a:pPr>
-            <a:endParaRPr lang="es-ES" altLang="es-MX" sz="2800" b="1" dirty="0">
-              <a:solidFill>
-                <a:srgbClr val="000000"/>
-              </a:solidFill>
-              <a:latin typeface="Calibri" panose="020F0502020204030204" pitchFamily="34" charset="0"/>
-            </a:endParaRPr>
-          </a:p>
-        </p:txBody>
-      </p:sp>
-      <p:sp>
-        <p:nvSpPr>
-          <p:cNvPr id="2" name="CuadroTexto 1">
-            <a:extLst>
-              <a:ext uri="{FF2B5EF4-FFF2-40B4-BE49-F238E27FC236}">
-                <a16:creationId xmlns:a16="http://schemas.microsoft.com/office/drawing/2014/main" id="{34929A58-3F91-74DA-6F65-147BB2BDD97E}"/>
-              </a:ext>
-            </a:extLst>
-          </p:cNvPr>
-          <p:cNvSpPr txBox="1"/>
-          <p:nvPr/>
-        </p:nvSpPr>
-        <p:spPr>
-          <a:xfrm>
-            <a:off x="5342220" y="4384004"/>
-            <a:ext cx="5676439" cy="2523768"/>
-          </a:xfrm>
-          <a:prstGeom prst="rect">
-            <a:avLst/>
-          </a:prstGeom>
-          <a:noFill/>
-        </p:spPr>
-        <p:txBody>
-          <a:bodyPr wrap="square">
-            <a:spAutoFit/>
-          </a:bodyPr>
-          <a:lstStyle/>
-          <a:p>
-            <a:pPr algn="ctr"/>
-            <a:r>
-              <a:rPr lang="es-ES" sz="2600" b="1" dirty="0">
-                <a:latin typeface="Calibri" panose="020F0502020204030204" pitchFamily="34" charset="0"/>
-                <a:cs typeface="Calibri" panose="020F0502020204030204" pitchFamily="34" charset="0"/>
-              </a:rPr>
-              <a:t>Autor</a:t>
-            </a:r>
-          </a:p>
-          <a:p>
-            <a:pPr algn="ctr"/>
-            <a:r>
-              <a:rPr lang="es-ES" sz="2600" b="1" dirty="0">
-                <a:latin typeface="Calibri" panose="020F0502020204030204" pitchFamily="34" charset="0"/>
-                <a:cs typeface="Calibri" panose="020F0502020204030204" pitchFamily="34" charset="0"/>
-              </a:rPr>
-              <a:t>Jorge Ernesto Duvalón Hernández</a:t>
-            </a:r>
-          </a:p>
-          <a:p>
-            <a:pPr algn="ctr"/>
-            <a:endParaRPr lang="es-ES" sz="2600" b="1" dirty="0">
-              <a:latin typeface="Calibri" panose="020F0502020204030204" pitchFamily="34" charset="0"/>
-              <a:cs typeface="Calibri" panose="020F0502020204030204" pitchFamily="34" charset="0"/>
-            </a:endParaRPr>
-          </a:p>
-          <a:p>
-            <a:pPr algn="ctr"/>
-            <a:r>
-              <a:rPr lang="es-ES" sz="2600" b="1" dirty="0">
-                <a:latin typeface="Calibri" panose="020F0502020204030204" pitchFamily="34" charset="0"/>
-                <a:cs typeface="Calibri" panose="020F0502020204030204" pitchFamily="34" charset="0"/>
-              </a:rPr>
-              <a:t>Tutor </a:t>
-            </a:r>
-          </a:p>
-          <a:p>
-            <a:pPr algn="ctr"/>
-            <a:r>
-              <a:rPr lang="es-ES" sz="2600" b="1" dirty="0" err="1">
-                <a:latin typeface="Calibri" panose="020F0502020204030204" pitchFamily="34" charset="0"/>
-                <a:cs typeface="Calibri" panose="020F0502020204030204" pitchFamily="34" charset="0"/>
-              </a:rPr>
-              <a:t>Dionis</a:t>
-            </a:r>
-            <a:r>
-              <a:rPr lang="es-ES" sz="2600" b="1" dirty="0">
-                <a:latin typeface="Calibri" panose="020F0502020204030204" pitchFamily="34" charset="0"/>
-                <a:cs typeface="Calibri" panose="020F0502020204030204" pitchFamily="34" charset="0"/>
-              </a:rPr>
-              <a:t> López Ramos</a:t>
-            </a:r>
-          </a:p>
-          <a:p>
-            <a:pPr algn="ctr"/>
-            <a:endParaRPr lang="es-ES" sz="2800" b="1" dirty="0">
-              <a:latin typeface="Calibri" panose="020F0502020204030204" pitchFamily="34" charset="0"/>
-              <a:cs typeface="Calibri" panose="020F0502020204030204" pitchFamily="34" charset="0"/>
-            </a:endParaRPr>
-          </a:p>
-        </p:txBody>
-      </p:sp>
-    </p:spTree>
-    <p:extLst>
-      <p:ext uri="{BB962C8B-B14F-4D97-AF65-F5344CB8AC3E}">
-        <p14:creationId xmlns:p14="http://schemas.microsoft.com/office/powerpoint/2010/main" val="1355644756"/>
-      </p:ext>
-    </p:extLst>
-  </p:cSld>
-  <p:clrMapOvr>
-    <a:masterClrMapping/>
-  </p:clrMapOvr>
-  <p:transition spd="med"/>
-  <p:timing>
-    <p:tnLst>
-      <p:par>
-        <p:cTn id="1" dur="indefinite" restart="never" nodeType="tmRoot">
-          <p:childTnLst>
-            <p:seq concurrent="1" nextAc="seek">
-              <p:cTn id="2" dur="indefinite" nodeType="mainSeq"/>
-              <p:prevCondLst>
-                <p:cond evt="onPrev" delay="0">
-                  <p:tgtEl>
-                    <p:sldTgt/>
-                  </p:tgtEl>
-                </p:cond>
-              </p:prevCondLst>
-              <p:nextCondLst>
-                <p:cond evt="onNext" delay="0">
-                  <p:tgtEl>
-                    <p:sldTgt/>
-                  </p:tgtEl>
-                </p:cond>
-              </p:nextCondLst>
-            </p:seq>
-          </p:childTnLst>
-        </p:cTn>
-      </p:par>
-    </p:tnLst>
-  </p:timing>
-</p:sld>
-</file>
-
 <file path=ppt/slides/slide3.xml><?xml version="1.0" encoding="utf-8"?>
 <p:sld xmlns:a="http://schemas.openxmlformats.org/drawingml/2006/main" xmlns:r="http://schemas.openxmlformats.org/officeDocument/2006/relationships" xmlns:p="http://schemas.openxmlformats.org/presentationml/2006/main">
   <p:cSld>
@@ -11264,8 +11514,8 @@
         </p:nvGrpSpPr>
         <p:grpSpPr>
           <a:xfrm>
-            <a:off x="390072" y="1953195"/>
-            <a:ext cx="5771962" cy="4576193"/>
+            <a:off x="373744" y="1836855"/>
+            <a:ext cx="5771962" cy="4865913"/>
             <a:chOff x="2006600" y="1838325"/>
             <a:chExt cx="8153400" cy="4435475"/>
           </a:xfrm>
@@ -11401,7 +11651,7 @@
         </p:nvSpPr>
         <p:spPr>
           <a:xfrm>
-            <a:off x="6400597" y="565834"/>
+            <a:off x="6400597" y="614821"/>
             <a:ext cx="5568246" cy="1387362"/>
           </a:xfrm>
           <a:prstGeom prst="rect">
@@ -11461,8 +11711,8 @@
         </p:nvGrpSpPr>
         <p:grpSpPr>
           <a:xfrm>
-            <a:off x="6400597" y="1953195"/>
-            <a:ext cx="5568246" cy="4576193"/>
+            <a:off x="6384269" y="1861457"/>
+            <a:ext cx="5568246" cy="4865913"/>
             <a:chOff x="1879599" y="914400"/>
             <a:chExt cx="8512175" cy="5029200"/>
           </a:xfrm>
@@ -11501,6 +11751,7 @@
             <a:prstGeom prst="rect">
               <a:avLst/>
             </a:prstGeom>
+            <a:ln w="38100"/>
           </p:spPr>
           <p:style>
             <a:lnRef idx="2">
@@ -11537,6 +11788,7 @@
             <a:prstGeom prst="rect">
               <a:avLst/>
             </a:prstGeom>
+            <a:ln w="38100"/>
           </p:spPr>
           <p:style>
             <a:lnRef idx="2">
@@ -11580,12 +11832,13 @@
           </p:nvSpPr>
           <p:spPr>
             <a:xfrm>
-              <a:off x="7124939" y="5238235"/>
-              <a:ext cx="3104867" cy="318842"/>
+              <a:off x="6123362" y="5238235"/>
+              <a:ext cx="4106445" cy="338244"/>
             </a:xfrm>
             <a:prstGeom prst="rect">
               <a:avLst/>
             </a:prstGeom>
+            <a:ln w="38100"/>
           </p:spPr>
           <p:style>
             <a:lnRef idx="2">
@@ -11626,6 +11879,216 @@
   <p:clrMapOvr>
     <a:masterClrMapping/>
   </p:clrMapOvr>
+  <p:timing>
+    <p:tnLst>
+      <p:par>
+        <p:cTn id="1" dur="indefinite" restart="never" nodeType="tmRoot">
+          <p:childTnLst>
+            <p:seq concurrent="1" nextAc="seek">
+              <p:cTn id="2" dur="indefinite" nodeType="mainSeq">
+                <p:childTnLst>
+                  <p:par>
+                    <p:cTn id="3" fill="hold">
+                      <p:stCondLst>
+                        <p:cond delay="indefinite"/>
+                      </p:stCondLst>
+                      <p:childTnLst>
+                        <p:par>
+                          <p:cTn id="4" fill="hold">
+                            <p:stCondLst>
+                              <p:cond delay="0"/>
+                            </p:stCondLst>
+                            <p:childTnLst>
+                              <p:par>
+                                <p:cTn id="5" presetID="10" presetClass="entr" presetSubtype="0" fill="hold" grpId="0" nodeType="clickEffect">
+                                  <p:stCondLst>
+                                    <p:cond delay="0"/>
+                                  </p:stCondLst>
+                                  <p:childTnLst>
+                                    <p:set>
+                                      <p:cBhvr>
+                                        <p:cTn id="6" dur="1" fill="hold">
+                                          <p:stCondLst>
+                                            <p:cond delay="0"/>
+                                          </p:stCondLst>
+                                        </p:cTn>
+                                        <p:tgtEl>
+                                          <p:spTgt spid="9"/>
+                                        </p:tgtEl>
+                                        <p:attrNameLst>
+                                          <p:attrName>style.visibility</p:attrName>
+                                        </p:attrNameLst>
+                                      </p:cBhvr>
+                                      <p:to>
+                                        <p:strVal val="visible"/>
+                                      </p:to>
+                                    </p:set>
+                                    <p:animEffect transition="in" filter="fade">
+                                      <p:cBhvr>
+                                        <p:cTn id="7" dur="500"/>
+                                        <p:tgtEl>
+                                          <p:spTgt spid="9"/>
+                                        </p:tgtEl>
+                                      </p:cBhvr>
+                                    </p:animEffect>
+                                  </p:childTnLst>
+                                </p:cTn>
+                              </p:par>
+                              <p:par>
+                                <p:cTn id="8" presetID="10" presetClass="entr" presetSubtype="0" fill="hold" nodeType="withEffect">
+                                  <p:stCondLst>
+                                    <p:cond delay="0"/>
+                                  </p:stCondLst>
+                                  <p:childTnLst>
+                                    <p:set>
+                                      <p:cBhvr>
+                                        <p:cTn id="9" dur="1" fill="hold">
+                                          <p:stCondLst>
+                                            <p:cond delay="0"/>
+                                          </p:stCondLst>
+                                        </p:cTn>
+                                        <p:tgtEl>
+                                          <p:spTgt spid="7"/>
+                                        </p:tgtEl>
+                                        <p:attrNameLst>
+                                          <p:attrName>style.visibility</p:attrName>
+                                        </p:attrNameLst>
+                                      </p:cBhvr>
+                                      <p:to>
+                                        <p:strVal val="visible"/>
+                                      </p:to>
+                                    </p:set>
+                                    <p:animEffect transition="in" filter="fade">
+                                      <p:cBhvr>
+                                        <p:cTn id="10" dur="500"/>
+                                        <p:tgtEl>
+                                          <p:spTgt spid="7"/>
+                                        </p:tgtEl>
+                                      </p:cBhvr>
+                                    </p:animEffect>
+                                  </p:childTnLst>
+                                </p:cTn>
+                              </p:par>
+                            </p:childTnLst>
+                          </p:cTn>
+                        </p:par>
+                      </p:childTnLst>
+                    </p:cTn>
+                  </p:par>
+                  <p:par>
+                    <p:cTn id="11" fill="hold">
+                      <p:stCondLst>
+                        <p:cond delay="indefinite"/>
+                      </p:stCondLst>
+                      <p:childTnLst>
+                        <p:par>
+                          <p:cTn id="12" fill="hold">
+                            <p:stCondLst>
+                              <p:cond delay="0"/>
+                            </p:stCondLst>
+                            <p:childTnLst>
+                              <p:par>
+                                <p:cTn id="13" presetID="10" presetClass="entr" presetSubtype="0" fill="hold" grpId="0" nodeType="clickEffect">
+                                  <p:stCondLst>
+                                    <p:cond delay="0"/>
+                                  </p:stCondLst>
+                                  <p:childTnLst>
+                                    <p:set>
+                                      <p:cBhvr>
+                                        <p:cTn id="14" dur="1" fill="hold">
+                                          <p:stCondLst>
+                                            <p:cond delay="0"/>
+                                          </p:stCondLst>
+                                        </p:cTn>
+                                        <p:tgtEl>
+                                          <p:spTgt spid="2"/>
+                                        </p:tgtEl>
+                                        <p:attrNameLst>
+                                          <p:attrName>style.visibility</p:attrName>
+                                        </p:attrNameLst>
+                                      </p:cBhvr>
+                                      <p:to>
+                                        <p:strVal val="visible"/>
+                                      </p:to>
+                                    </p:set>
+                                    <p:animEffect transition="in" filter="fade">
+                                      <p:cBhvr>
+                                        <p:cTn id="15" dur="500"/>
+                                        <p:tgtEl>
+                                          <p:spTgt spid="2"/>
+                                        </p:tgtEl>
+                                      </p:cBhvr>
+                                    </p:animEffect>
+                                  </p:childTnLst>
+                                </p:cTn>
+                              </p:par>
+                              <p:par>
+                                <p:cTn id="16" presetID="10" presetClass="entr" presetSubtype="0" fill="hold" nodeType="withEffect">
+                                  <p:stCondLst>
+                                    <p:cond delay="0"/>
+                                  </p:stCondLst>
+                                  <p:childTnLst>
+                                    <p:set>
+                                      <p:cBhvr>
+                                        <p:cTn id="17" dur="1" fill="hold">
+                                          <p:stCondLst>
+                                            <p:cond delay="0"/>
+                                          </p:stCondLst>
+                                        </p:cTn>
+                                        <p:tgtEl>
+                                          <p:spTgt spid="3"/>
+                                        </p:tgtEl>
+                                        <p:attrNameLst>
+                                          <p:attrName>style.visibility</p:attrName>
+                                        </p:attrNameLst>
+                                      </p:cBhvr>
+                                      <p:to>
+                                        <p:strVal val="visible"/>
+                                      </p:to>
+                                    </p:set>
+                                    <p:animEffect transition="in" filter="fade">
+                                      <p:cBhvr>
+                                        <p:cTn id="18" dur="500"/>
+                                        <p:tgtEl>
+                                          <p:spTgt spid="3"/>
+                                        </p:tgtEl>
+                                      </p:cBhvr>
+                                    </p:animEffect>
+                                  </p:childTnLst>
+                                </p:cTn>
+                              </p:par>
+                            </p:childTnLst>
+                          </p:cTn>
+                        </p:par>
+                      </p:childTnLst>
+                    </p:cTn>
+                  </p:par>
+                </p:childTnLst>
+              </p:cTn>
+              <p:prevCondLst>
+                <p:cond evt="onPrev" delay="0">
+                  <p:tgtEl>
+                    <p:sldTgt/>
+                  </p:tgtEl>
+                </p:cond>
+              </p:prevCondLst>
+              <p:nextCondLst>
+                <p:cond evt="onNext" delay="0">
+                  <p:tgtEl>
+                    <p:sldTgt/>
+                  </p:tgtEl>
+                </p:cond>
+              </p:nextCondLst>
+            </p:seq>
+          </p:childTnLst>
+        </p:cTn>
+      </p:par>
+    </p:tnLst>
+    <p:bldLst>
+      <p:bldP spid="9" grpId="0"/>
+      <p:bldP spid="2" grpId="0"/>
+    </p:bldLst>
+  </p:timing>
 </p:sld>
 </file>
 
@@ -12161,29 +12624,7 @@
                 <a:latin typeface="Rockwell (Cuerpo)"/>
                 <a:ea typeface="Times New Roman" panose="02020603050405020304" pitchFamily="18" charset="0"/>
               </a:rPr>
-              <a:t>Desarrollar una aplicación informática que permita la gestión o construcción de conocimiento de manera automática para Asistentes Virtuales, </a:t>
-            </a:r>
-            <a:r>
-              <a:rPr lang="es-ES" strike="sngStrike" dirty="0">
-                <a:solidFill>
-                  <a:srgbClr val="000000"/>
-                </a:solidFill>
-                <a:effectLst/>
-                <a:latin typeface="Rockwell (Cuerpo)"/>
-                <a:ea typeface="Times New Roman" panose="02020603050405020304" pitchFamily="18" charset="0"/>
-              </a:rPr>
-              <a:t>en las plataformas web o móvil que estén usando el servicio brindado por los asistentes virtuales</a:t>
-            </a:r>
-            <a:r>
-              <a:rPr lang="es-ES" dirty="0">
-                <a:solidFill>
-                  <a:srgbClr val="000000"/>
-                </a:solidFill>
-                <a:effectLst/>
-                <a:latin typeface="Rockwell (Cuerpo)"/>
-                <a:ea typeface="Times New Roman" panose="02020603050405020304" pitchFamily="18" charset="0"/>
-              </a:rPr>
-              <a:t>, para que estos puedan ser más eficientes al responder cualquier duda o inquietud de los usuarios.</a:t>
+              <a:t>Desarrollar una aplicación informática que permita la gestión o construcción de conocimiento de manera automática para Asistentes Virtuales, para que estos puedan ser más eficientes al responder cualquier duda o inquietud de los usuarios.</a:t>
             </a:r>
             <a:endParaRPr lang="es-ES" dirty="0">
               <a:latin typeface="Rockwell (Cuerpo)"/>
@@ -12476,7 +12917,7 @@
                 <a:latin typeface="Rockwell (Cuerpo)"/>
                 <a:ea typeface="Calibri" panose="020F0502020204030204" pitchFamily="34" charset="0"/>
               </a:rPr>
-              <a:t>Se desarrollará una aplicación informática que construya el conocimiento para un asistente virtual de forma automática, que permita a los asistentes virtuales responder o evacuar cualquier duda de los usuarios eficientemente desde las plataformas web o móvil donde se use el servicio de chat, estas plataformas se favorecerán al ganar en calidad en el servicio. </a:t>
+              <a:t>Se desarrollará una aplicación informática que construya el conocimiento para el desarrollo de asistentes virtuales de forma automática, que permita a los mismos responder o evacuar cualquier duda de los usuarios eficientemente desde las plataformas web o móvil donde se use el servicio de chat, estas plataformas se favorecerán al ganar en calidad en el servicio. </a:t>
             </a:r>
           </a:p>
         </p:txBody>
